--- a/Proyecto_2.pptx
+++ b/Proyecto_2.pptx
@@ -7,11 +7,21 @@
   <p:sldIdLst>
     <p:sldId id="256" r:id="rId2"/>
     <p:sldId id="264" r:id="rId3"/>
-    <p:sldId id="258" r:id="rId4"/>
-    <p:sldId id="259" r:id="rId5"/>
-    <p:sldId id="260" r:id="rId6"/>
-    <p:sldId id="262" r:id="rId7"/>
-    <p:sldId id="263" r:id="rId8"/>
+    <p:sldId id="266" r:id="rId4"/>
+    <p:sldId id="268" r:id="rId5"/>
+    <p:sldId id="269" r:id="rId6"/>
+    <p:sldId id="267" r:id="rId7"/>
+    <p:sldId id="258" r:id="rId8"/>
+    <p:sldId id="259" r:id="rId9"/>
+    <p:sldId id="260" r:id="rId10"/>
+    <p:sldId id="262" r:id="rId11"/>
+    <p:sldId id="274" r:id="rId12"/>
+    <p:sldId id="270" r:id="rId13"/>
+    <p:sldId id="265" r:id="rId14"/>
+    <p:sldId id="272" r:id="rId15"/>
+    <p:sldId id="273" r:id="rId16"/>
+    <p:sldId id="263" r:id="rId17"/>
+    <p:sldId id="271" r:id="rId18"/>
   </p:sldIdLst>
   <p:sldSz cx="12192000" cy="6858000"/>
   <p:notesSz cx="6858000" cy="9144000"/>
@@ -168,7 +178,7 @@
           <a:noFill/>
           <a:extLst>
             <a:ext uri="{909E8E84-426E-40dd-AFC4-6F175D3DCCD1}">
-              <a14:hiddenFill xmlns="" xmlns:a14="http://schemas.microsoft.com/office/drawing/2010/main">
+              <a14:hiddenFill xmlns:a14="http://schemas.microsoft.com/office/drawing/2010/main" xmlns="">
                 <a:solidFill>
                   <a:srgbClr val="FFFFFF"/>
                 </a:solidFill>
@@ -228,7 +238,7 @@
             </a:ln>
             <a:extLst>
               <a:ext uri="{91240B29-F687-4f45-9708-019B960494DF}">
-                <a14:hiddenLine xmlns="" xmlns:a14="http://schemas.microsoft.com/office/drawing/2010/main" w="9525">
+                <a14:hiddenLine xmlns:a14="http://schemas.microsoft.com/office/drawing/2010/main" xmlns="" w="9525">
                   <a:solidFill>
                     <a:srgbClr val="000000"/>
                   </a:solidFill>
@@ -318,7 +328,7 @@
             </a:ln>
             <a:extLst>
               <a:ext uri="{91240B29-F687-4f45-9708-019B960494DF}">
-                <a14:hiddenLine xmlns="" xmlns:a14="http://schemas.microsoft.com/office/drawing/2010/main" w="9525">
+                <a14:hiddenLine xmlns:a14="http://schemas.microsoft.com/office/drawing/2010/main" xmlns="" w="9525">
                   <a:solidFill>
                     <a:srgbClr val="000000"/>
                   </a:solidFill>
@@ -408,7 +418,7 @@
             </a:ln>
             <a:extLst>
               <a:ext uri="{91240B29-F687-4f45-9708-019B960494DF}">
-                <a14:hiddenLine xmlns="" xmlns:a14="http://schemas.microsoft.com/office/drawing/2010/main" w="9525">
+                <a14:hiddenLine xmlns:a14="http://schemas.microsoft.com/office/drawing/2010/main" xmlns="" w="9525">
                   <a:solidFill>
                     <a:srgbClr val="000000"/>
                   </a:solidFill>
@@ -442,7 +452,7 @@
             </a:ln>
             <a:extLst>
               <a:ext uri="{91240B29-F687-4f45-9708-019B960494DF}">
-                <a14:hiddenLine xmlns="" xmlns:a14="http://schemas.microsoft.com/office/drawing/2010/main" w="9525">
+                <a14:hiddenLine xmlns:a14="http://schemas.microsoft.com/office/drawing/2010/main" xmlns="" w="9525">
                   <a:solidFill>
                     <a:srgbClr val="000000"/>
                   </a:solidFill>
@@ -532,7 +542,7 @@
             </a:ln>
             <a:extLst>
               <a:ext uri="{91240B29-F687-4f45-9708-019B960494DF}">
-                <a14:hiddenLine xmlns="" xmlns:a14="http://schemas.microsoft.com/office/drawing/2010/main" w="9525">
+                <a14:hiddenLine xmlns:a14="http://schemas.microsoft.com/office/drawing/2010/main" xmlns="" w="9525">
                   <a:solidFill>
                     <a:srgbClr val="000000"/>
                   </a:solidFill>
@@ -594,7 +604,7 @@
             </a:ln>
             <a:extLst>
               <a:ext uri="{91240B29-F687-4f45-9708-019B960494DF}">
-                <a14:hiddenLine xmlns="" xmlns:a14="http://schemas.microsoft.com/office/drawing/2010/main" w="9525">
+                <a14:hiddenLine xmlns:a14="http://schemas.microsoft.com/office/drawing/2010/main" xmlns="" w="9525">
                   <a:solidFill>
                     <a:srgbClr val="000000"/>
                   </a:solidFill>
@@ -656,7 +666,7 @@
             </a:ln>
             <a:extLst>
               <a:ext uri="{91240B29-F687-4f45-9708-019B960494DF}">
-                <a14:hiddenLine xmlns="" xmlns:a14="http://schemas.microsoft.com/office/drawing/2010/main" w="9525">
+                <a14:hiddenLine xmlns:a14="http://schemas.microsoft.com/office/drawing/2010/main" xmlns="" w="9525">
                   <a:solidFill>
                     <a:srgbClr val="000000"/>
                   </a:solidFill>
@@ -746,7 +756,7 @@
             </a:ln>
             <a:extLst>
               <a:ext uri="{91240B29-F687-4f45-9708-019B960494DF}">
-                <a14:hiddenLine xmlns="" xmlns:a14="http://schemas.microsoft.com/office/drawing/2010/main" w="9525">
+                <a14:hiddenLine xmlns:a14="http://schemas.microsoft.com/office/drawing/2010/main" xmlns="" w="9525">
                   <a:solidFill>
                     <a:srgbClr val="000000"/>
                   </a:solidFill>
@@ -808,7 +818,7 @@
             </a:ln>
             <a:extLst>
               <a:ext uri="{91240B29-F687-4f45-9708-019B960494DF}">
-                <a14:hiddenLine xmlns="" xmlns:a14="http://schemas.microsoft.com/office/drawing/2010/main" w="9525">
+                <a14:hiddenLine xmlns:a14="http://schemas.microsoft.com/office/drawing/2010/main" xmlns="" w="9525">
                   <a:solidFill>
                     <a:srgbClr val="000000"/>
                   </a:solidFill>
@@ -870,7 +880,7 @@
             </a:ln>
             <a:extLst>
               <a:ext uri="{91240B29-F687-4f45-9708-019B960494DF}">
-                <a14:hiddenLine xmlns="" xmlns:a14="http://schemas.microsoft.com/office/drawing/2010/main" w="9525">
+                <a14:hiddenLine xmlns:a14="http://schemas.microsoft.com/office/drawing/2010/main" xmlns="" w="9525">
                   <a:solidFill>
                     <a:srgbClr val="000000"/>
                   </a:solidFill>
@@ -960,7 +970,7 @@
             </a:ln>
             <a:extLst>
               <a:ext uri="{91240B29-F687-4f45-9708-019B960494DF}">
-                <a14:hiddenLine xmlns="" xmlns:a14="http://schemas.microsoft.com/office/drawing/2010/main" w="9525">
+                <a14:hiddenLine xmlns:a14="http://schemas.microsoft.com/office/drawing/2010/main" xmlns="" w="9525">
                   <a:solidFill>
                     <a:srgbClr val="000000"/>
                   </a:solidFill>
@@ -1050,7 +1060,7 @@
             </a:ln>
             <a:extLst>
               <a:ext uri="{91240B29-F687-4f45-9708-019B960494DF}">
-                <a14:hiddenLine xmlns="" xmlns:a14="http://schemas.microsoft.com/office/drawing/2010/main" w="9525">
+                <a14:hiddenLine xmlns:a14="http://schemas.microsoft.com/office/drawing/2010/main" xmlns="" w="9525">
                   <a:solidFill>
                     <a:srgbClr val="000000"/>
                   </a:solidFill>
@@ -1112,7 +1122,7 @@
             </a:ln>
             <a:extLst>
               <a:ext uri="{91240B29-F687-4f45-9708-019B960494DF}">
-                <a14:hiddenLine xmlns="" xmlns:a14="http://schemas.microsoft.com/office/drawing/2010/main" w="9525">
+                <a14:hiddenLine xmlns:a14="http://schemas.microsoft.com/office/drawing/2010/main" xmlns="" w="9525">
                   <a:solidFill>
                     <a:srgbClr val="000000"/>
                   </a:solidFill>
@@ -1222,7 +1232,7 @@
             </a:ln>
             <a:extLst>
               <a:ext uri="{91240B29-F687-4f45-9708-019B960494DF}">
-                <a14:hiddenLine xmlns="" xmlns:a14="http://schemas.microsoft.com/office/drawing/2010/main" w="9525">
+                <a14:hiddenLine xmlns:a14="http://schemas.microsoft.com/office/drawing/2010/main" xmlns="" w="9525">
                   <a:solidFill>
                     <a:srgbClr val="000000"/>
                   </a:solidFill>
@@ -1284,7 +1294,7 @@
             </a:ln>
             <a:extLst>
               <a:ext uri="{91240B29-F687-4f45-9708-019B960494DF}">
-                <a14:hiddenLine xmlns="" xmlns:a14="http://schemas.microsoft.com/office/drawing/2010/main" w="9525">
+                <a14:hiddenLine xmlns:a14="http://schemas.microsoft.com/office/drawing/2010/main" xmlns="" w="9525">
                   <a:solidFill>
                     <a:srgbClr val="000000"/>
                   </a:solidFill>
@@ -1374,7 +1384,7 @@
             </a:ln>
             <a:extLst>
               <a:ext uri="{91240B29-F687-4f45-9708-019B960494DF}">
-                <a14:hiddenLine xmlns="" xmlns:a14="http://schemas.microsoft.com/office/drawing/2010/main" w="9525">
+                <a14:hiddenLine xmlns:a14="http://schemas.microsoft.com/office/drawing/2010/main" xmlns="" w="9525">
                   <a:solidFill>
                     <a:srgbClr val="000000"/>
                   </a:solidFill>
@@ -1464,7 +1474,7 @@
             </a:ln>
             <a:extLst>
               <a:ext uri="{91240B29-F687-4f45-9708-019B960494DF}">
-                <a14:hiddenLine xmlns="" xmlns:a14="http://schemas.microsoft.com/office/drawing/2010/main" w="9525">
+                <a14:hiddenLine xmlns:a14="http://schemas.microsoft.com/office/drawing/2010/main" xmlns="" w="9525">
                   <a:solidFill>
                     <a:srgbClr val="000000"/>
                   </a:solidFill>
@@ -1526,7 +1536,7 @@
             </a:ln>
             <a:extLst>
               <a:ext uri="{91240B29-F687-4f45-9708-019B960494DF}">
-                <a14:hiddenLine xmlns="" xmlns:a14="http://schemas.microsoft.com/office/drawing/2010/main" w="9525">
+                <a14:hiddenLine xmlns:a14="http://schemas.microsoft.com/office/drawing/2010/main" xmlns="" w="9525">
                   <a:solidFill>
                     <a:srgbClr val="000000"/>
                   </a:solidFill>
@@ -1616,7 +1626,7 @@
             </a:ln>
             <a:extLst>
               <a:ext uri="{91240B29-F687-4f45-9708-019B960494DF}">
-                <a14:hiddenLine xmlns="" xmlns:a14="http://schemas.microsoft.com/office/drawing/2010/main" w="9525">
+                <a14:hiddenLine xmlns:a14="http://schemas.microsoft.com/office/drawing/2010/main" xmlns="" w="9525">
                   <a:solidFill>
                     <a:srgbClr val="000000"/>
                   </a:solidFill>
@@ -1706,7 +1716,7 @@
             </a:ln>
             <a:extLst>
               <a:ext uri="{91240B29-F687-4f45-9708-019B960494DF}">
-                <a14:hiddenLine xmlns="" xmlns:a14="http://schemas.microsoft.com/office/drawing/2010/main" w="9525">
+                <a14:hiddenLine xmlns:a14="http://schemas.microsoft.com/office/drawing/2010/main" xmlns="" w="9525">
                   <a:solidFill>
                     <a:srgbClr val="000000"/>
                   </a:solidFill>
@@ -1762,7 +1772,7 @@
             </a:ln>
             <a:extLst>
               <a:ext uri="{91240B29-F687-4f45-9708-019B960494DF}">
-                <a14:hiddenLine xmlns="" xmlns:a14="http://schemas.microsoft.com/office/drawing/2010/main" w="9525">
+                <a14:hiddenLine xmlns:a14="http://schemas.microsoft.com/office/drawing/2010/main" xmlns="" w="9525">
                   <a:solidFill>
                     <a:srgbClr val="000000"/>
                   </a:solidFill>
@@ -1852,7 +1862,7 @@
             </a:ln>
             <a:extLst>
               <a:ext uri="{91240B29-F687-4f45-9708-019B960494DF}">
-                <a14:hiddenLine xmlns="" xmlns:a14="http://schemas.microsoft.com/office/drawing/2010/main" w="9525">
+                <a14:hiddenLine xmlns:a14="http://schemas.microsoft.com/office/drawing/2010/main" xmlns="" w="9525">
                   <a:solidFill>
                     <a:srgbClr val="000000"/>
                   </a:solidFill>
@@ -1908,7 +1918,7 @@
             </a:ln>
             <a:extLst>
               <a:ext uri="{91240B29-F687-4f45-9708-019B960494DF}">
-                <a14:hiddenLine xmlns="" xmlns:a14="http://schemas.microsoft.com/office/drawing/2010/main" w="9525">
+                <a14:hiddenLine xmlns:a14="http://schemas.microsoft.com/office/drawing/2010/main" xmlns="" w="9525">
                   <a:solidFill>
                     <a:srgbClr val="000000"/>
                   </a:solidFill>
@@ -1998,7 +2008,7 @@
             </a:ln>
             <a:extLst>
               <a:ext uri="{91240B29-F687-4f45-9708-019B960494DF}">
-                <a14:hiddenLine xmlns="" xmlns:a14="http://schemas.microsoft.com/office/drawing/2010/main" w="9525">
+                <a14:hiddenLine xmlns:a14="http://schemas.microsoft.com/office/drawing/2010/main" xmlns="" w="9525">
                   <a:solidFill>
                     <a:srgbClr val="000000"/>
                   </a:solidFill>
@@ -2066,7 +2076,7 @@
             </a:ln>
             <a:extLst>
               <a:ext uri="{91240B29-F687-4f45-9708-019B960494DF}">
-                <a14:hiddenLine xmlns="" xmlns:a14="http://schemas.microsoft.com/office/drawing/2010/main" w="9525">
+                <a14:hiddenLine xmlns:a14="http://schemas.microsoft.com/office/drawing/2010/main" xmlns="" w="9525">
                   <a:solidFill>
                     <a:srgbClr val="000000"/>
                   </a:solidFill>
@@ -2156,7 +2166,7 @@
             </a:ln>
             <a:extLst>
               <a:ext uri="{91240B29-F687-4f45-9708-019B960494DF}">
-                <a14:hiddenLine xmlns="" xmlns:a14="http://schemas.microsoft.com/office/drawing/2010/main" w="9525">
+                <a14:hiddenLine xmlns:a14="http://schemas.microsoft.com/office/drawing/2010/main" xmlns="" w="9525">
                   <a:solidFill>
                     <a:srgbClr val="000000"/>
                   </a:solidFill>
@@ -2224,7 +2234,7 @@
             </a:ln>
             <a:extLst>
               <a:ext uri="{91240B29-F687-4f45-9708-019B960494DF}">
-                <a14:hiddenLine xmlns="" xmlns:a14="http://schemas.microsoft.com/office/drawing/2010/main" w="9525">
+                <a14:hiddenLine xmlns:a14="http://schemas.microsoft.com/office/drawing/2010/main" xmlns="" w="9525">
                   <a:solidFill>
                     <a:srgbClr val="000000"/>
                   </a:solidFill>
@@ -2314,7 +2324,7 @@
             </a:ln>
             <a:extLst>
               <a:ext uri="{91240B29-F687-4f45-9708-019B960494DF}">
-                <a14:hiddenLine xmlns="" xmlns:a14="http://schemas.microsoft.com/office/drawing/2010/main" w="9525">
+                <a14:hiddenLine xmlns:a14="http://schemas.microsoft.com/office/drawing/2010/main" xmlns="" w="9525">
                   <a:solidFill>
                     <a:srgbClr val="000000"/>
                   </a:solidFill>
@@ -2348,7 +2358,7 @@
             </a:ln>
             <a:extLst>
               <a:ext uri="{91240B29-F687-4f45-9708-019B960494DF}">
-                <a14:hiddenLine xmlns="" xmlns:a14="http://schemas.microsoft.com/office/drawing/2010/main" w="9525">
+                <a14:hiddenLine xmlns:a14="http://schemas.microsoft.com/office/drawing/2010/main" xmlns="" w="9525">
                   <a:solidFill>
                     <a:srgbClr val="000000"/>
                   </a:solidFill>
@@ -2438,7 +2448,7 @@
             </a:ln>
             <a:extLst>
               <a:ext uri="{91240B29-F687-4f45-9708-019B960494DF}">
-                <a14:hiddenLine xmlns="" xmlns:a14="http://schemas.microsoft.com/office/drawing/2010/main" w="9525">
+                <a14:hiddenLine xmlns:a14="http://schemas.microsoft.com/office/drawing/2010/main" xmlns="" w="9525">
                   <a:solidFill>
                     <a:srgbClr val="000000"/>
                   </a:solidFill>
@@ -2500,7 +2510,7 @@
             </a:ln>
             <a:extLst>
               <a:ext uri="{91240B29-F687-4f45-9708-019B960494DF}">
-                <a14:hiddenLine xmlns="" xmlns:a14="http://schemas.microsoft.com/office/drawing/2010/main" w="9525">
+                <a14:hiddenLine xmlns:a14="http://schemas.microsoft.com/office/drawing/2010/main" xmlns="" w="9525">
                   <a:solidFill>
                     <a:srgbClr val="000000"/>
                   </a:solidFill>
@@ -2562,7 +2572,7 @@
             </a:ln>
             <a:extLst>
               <a:ext uri="{91240B29-F687-4f45-9708-019B960494DF}">
-                <a14:hiddenLine xmlns="" xmlns:a14="http://schemas.microsoft.com/office/drawing/2010/main" w="9525">
+                <a14:hiddenLine xmlns:a14="http://schemas.microsoft.com/office/drawing/2010/main" xmlns="" w="9525">
                   <a:solidFill>
                     <a:srgbClr val="000000"/>
                   </a:solidFill>
@@ -2652,7 +2662,7 @@
             </a:ln>
             <a:extLst>
               <a:ext uri="{91240B29-F687-4f45-9708-019B960494DF}">
-                <a14:hiddenLine xmlns="" xmlns:a14="http://schemas.microsoft.com/office/drawing/2010/main" w="9525">
+                <a14:hiddenLine xmlns:a14="http://schemas.microsoft.com/office/drawing/2010/main" xmlns="" w="9525">
                   <a:solidFill>
                     <a:srgbClr val="000000"/>
                   </a:solidFill>
@@ -2720,7 +2730,7 @@
             </a:ln>
             <a:extLst>
               <a:ext uri="{91240B29-F687-4f45-9708-019B960494DF}">
-                <a14:hiddenLine xmlns="" xmlns:a14="http://schemas.microsoft.com/office/drawing/2010/main" w="9525">
+                <a14:hiddenLine xmlns:a14="http://schemas.microsoft.com/office/drawing/2010/main" xmlns="" w="9525">
                   <a:solidFill>
                     <a:srgbClr val="000000"/>
                   </a:solidFill>
@@ -2782,7 +2792,7 @@
             </a:ln>
             <a:extLst>
               <a:ext uri="{91240B29-F687-4f45-9708-019B960494DF}">
-                <a14:hiddenLine xmlns="" xmlns:a14="http://schemas.microsoft.com/office/drawing/2010/main" w="9525">
+                <a14:hiddenLine xmlns:a14="http://schemas.microsoft.com/office/drawing/2010/main" xmlns="" w="9525">
                   <a:solidFill>
                     <a:srgbClr val="000000"/>
                   </a:solidFill>
@@ -2872,7 +2882,7 @@
             </a:ln>
             <a:extLst>
               <a:ext uri="{91240B29-F687-4f45-9708-019B960494DF}">
-                <a14:hiddenLine xmlns="" xmlns:a14="http://schemas.microsoft.com/office/drawing/2010/main" w="9525">
+                <a14:hiddenLine xmlns:a14="http://schemas.microsoft.com/office/drawing/2010/main" xmlns="" w="9525">
                   <a:solidFill>
                     <a:srgbClr val="000000"/>
                   </a:solidFill>
@@ -2934,7 +2944,7 @@
             </a:ln>
             <a:extLst>
               <a:ext uri="{91240B29-F687-4f45-9708-019B960494DF}">
-                <a14:hiddenLine xmlns="" xmlns:a14="http://schemas.microsoft.com/office/drawing/2010/main" w="9525">
+                <a14:hiddenLine xmlns:a14="http://schemas.microsoft.com/office/drawing/2010/main" xmlns="" w="9525">
                   <a:solidFill>
                     <a:srgbClr val="000000"/>
                   </a:solidFill>
@@ -3024,7 +3034,7 @@
             </a:ln>
             <a:extLst>
               <a:ext uri="{91240B29-F687-4f45-9708-019B960494DF}">
-                <a14:hiddenLine xmlns="" xmlns:a14="http://schemas.microsoft.com/office/drawing/2010/main" w="9525">
+                <a14:hiddenLine xmlns:a14="http://schemas.microsoft.com/office/drawing/2010/main" xmlns="" w="9525">
                   <a:solidFill>
                     <a:srgbClr val="000000"/>
                   </a:solidFill>
@@ -3086,7 +3096,7 @@
             </a:ln>
             <a:extLst>
               <a:ext uri="{91240B29-F687-4f45-9708-019B960494DF}">
-                <a14:hiddenLine xmlns="" xmlns:a14="http://schemas.microsoft.com/office/drawing/2010/main" w="9525">
+                <a14:hiddenLine xmlns:a14="http://schemas.microsoft.com/office/drawing/2010/main" xmlns="" w="9525">
                   <a:solidFill>
                     <a:srgbClr val="000000"/>
                   </a:solidFill>
@@ -3176,7 +3186,7 @@
             </a:ln>
             <a:extLst>
               <a:ext uri="{91240B29-F687-4f45-9708-019B960494DF}">
-                <a14:hiddenLine xmlns="" xmlns:a14="http://schemas.microsoft.com/office/drawing/2010/main" w="9525">
+                <a14:hiddenLine xmlns:a14="http://schemas.microsoft.com/office/drawing/2010/main" xmlns="" w="9525">
                   <a:solidFill>
                     <a:srgbClr val="000000"/>
                   </a:solidFill>
@@ -3210,7 +3220,7 @@
             </a:ln>
             <a:extLst>
               <a:ext uri="{91240B29-F687-4f45-9708-019B960494DF}">
-                <a14:hiddenLine xmlns="" xmlns:a14="http://schemas.microsoft.com/office/drawing/2010/main" w="9525">
+                <a14:hiddenLine xmlns:a14="http://schemas.microsoft.com/office/drawing/2010/main" xmlns="" w="9525">
                   <a:solidFill>
                     <a:srgbClr val="000000"/>
                   </a:solidFill>
@@ -3275,7 +3285,7 @@
             </a:ln>
             <a:extLst>
               <a:ext uri="{91240B29-F687-4f45-9708-019B960494DF}">
-                <a14:hiddenLine xmlns="" xmlns:a14="http://schemas.microsoft.com/office/drawing/2010/main" w="9525">
+                <a14:hiddenLine xmlns:a14="http://schemas.microsoft.com/office/drawing/2010/main" xmlns="" w="9525">
                   <a:solidFill>
                     <a:srgbClr val="000000"/>
                   </a:solidFill>
@@ -3365,7 +3375,7 @@
             </a:ln>
             <a:extLst>
               <a:ext uri="{91240B29-F687-4f45-9708-019B960494DF}">
-                <a14:hiddenLine xmlns="" xmlns:a14="http://schemas.microsoft.com/office/drawing/2010/main" w="9525">
+                <a14:hiddenLine xmlns:a14="http://schemas.microsoft.com/office/drawing/2010/main" xmlns="" w="9525">
                   <a:solidFill>
                     <a:srgbClr val="000000"/>
                   </a:solidFill>
@@ -3427,7 +3437,7 @@
             </a:ln>
             <a:extLst>
               <a:ext uri="{91240B29-F687-4f45-9708-019B960494DF}">
-                <a14:hiddenLine xmlns="" xmlns:a14="http://schemas.microsoft.com/office/drawing/2010/main" w="9525">
+                <a14:hiddenLine xmlns:a14="http://schemas.microsoft.com/office/drawing/2010/main" xmlns="" w="9525">
                   <a:solidFill>
                     <a:srgbClr val="000000"/>
                   </a:solidFill>
@@ -3517,7 +3527,7 @@
             </a:ln>
             <a:extLst>
               <a:ext uri="{91240B29-F687-4f45-9708-019B960494DF}">
-                <a14:hiddenLine xmlns="" xmlns:a14="http://schemas.microsoft.com/office/drawing/2010/main" w="9525">
+                <a14:hiddenLine xmlns:a14="http://schemas.microsoft.com/office/drawing/2010/main" xmlns="" w="9525">
                   <a:solidFill>
                     <a:srgbClr val="000000"/>
                   </a:solidFill>
@@ -3607,7 +3617,7 @@
             </a:ln>
             <a:extLst>
               <a:ext uri="{91240B29-F687-4f45-9708-019B960494DF}">
-                <a14:hiddenLine xmlns="" xmlns:a14="http://schemas.microsoft.com/office/drawing/2010/main" w="9525">
+                <a14:hiddenLine xmlns:a14="http://schemas.microsoft.com/office/drawing/2010/main" xmlns="" w="9525">
                   <a:solidFill>
                     <a:srgbClr val="000000"/>
                   </a:solidFill>
@@ -3672,7 +3682,7 @@
             </a:ln>
             <a:extLst>
               <a:ext uri="{91240B29-F687-4f45-9708-019B960494DF}">
-                <a14:hiddenLine xmlns="" xmlns:a14="http://schemas.microsoft.com/office/drawing/2010/main" w="9525">
+                <a14:hiddenLine xmlns:a14="http://schemas.microsoft.com/office/drawing/2010/main" xmlns="" w="9525">
                   <a:solidFill>
                     <a:srgbClr val="000000"/>
                   </a:solidFill>
@@ -3734,7 +3744,7 @@
             </a:ln>
             <a:extLst>
               <a:ext uri="{91240B29-F687-4f45-9708-019B960494DF}">
-                <a14:hiddenLine xmlns="" xmlns:a14="http://schemas.microsoft.com/office/drawing/2010/main" w="9525">
+                <a14:hiddenLine xmlns:a14="http://schemas.microsoft.com/office/drawing/2010/main" xmlns="" w="9525">
                   <a:solidFill>
                     <a:srgbClr val="000000"/>
                   </a:solidFill>
@@ -3824,7 +3834,7 @@
             </a:ln>
             <a:extLst>
               <a:ext uri="{91240B29-F687-4f45-9708-019B960494DF}">
-                <a14:hiddenLine xmlns="" xmlns:a14="http://schemas.microsoft.com/office/drawing/2010/main" w="9525">
+                <a14:hiddenLine xmlns:a14="http://schemas.microsoft.com/office/drawing/2010/main" xmlns="" w="9525">
                   <a:solidFill>
                     <a:srgbClr val="000000"/>
                   </a:solidFill>
@@ -3914,7 +3924,7 @@
             </a:ln>
             <a:extLst>
               <a:ext uri="{91240B29-F687-4f45-9708-019B960494DF}">
-                <a14:hiddenLine xmlns="" xmlns:a14="http://schemas.microsoft.com/office/drawing/2010/main" w="9525">
+                <a14:hiddenLine xmlns:a14="http://schemas.microsoft.com/office/drawing/2010/main" xmlns="" w="9525">
                   <a:solidFill>
                     <a:srgbClr val="000000"/>
                   </a:solidFill>
@@ -3976,7 +3986,7 @@
             </a:ln>
             <a:extLst>
               <a:ext uri="{91240B29-F687-4f45-9708-019B960494DF}">
-                <a14:hiddenLine xmlns="" xmlns:a14="http://schemas.microsoft.com/office/drawing/2010/main" w="9525">
+                <a14:hiddenLine xmlns:a14="http://schemas.microsoft.com/office/drawing/2010/main" xmlns="" w="9525">
                   <a:solidFill>
                     <a:srgbClr val="000000"/>
                   </a:solidFill>
@@ -4096,7 +4106,7 @@
             </a:ln>
             <a:extLst>
               <a:ext uri="{91240B29-F687-4f45-9708-019B960494DF}">
-                <a14:hiddenLine xmlns="" xmlns:a14="http://schemas.microsoft.com/office/drawing/2010/main" w="9525">
+                <a14:hiddenLine xmlns:a14="http://schemas.microsoft.com/office/drawing/2010/main" xmlns="" w="9525">
                   <a:solidFill>
                     <a:srgbClr val="000000"/>
                   </a:solidFill>
@@ -4164,7 +4174,7 @@
             </a:ln>
             <a:extLst>
               <a:ext uri="{91240B29-F687-4f45-9708-019B960494DF}">
-                <a14:hiddenLine xmlns="" xmlns:a14="http://schemas.microsoft.com/office/drawing/2010/main" w="9525">
+                <a14:hiddenLine xmlns:a14="http://schemas.microsoft.com/office/drawing/2010/main" xmlns="" w="9525">
                   <a:solidFill>
                     <a:srgbClr val="000000"/>
                   </a:solidFill>
@@ -4254,7 +4264,7 @@
             </a:ln>
             <a:extLst>
               <a:ext uri="{91240B29-F687-4f45-9708-019B960494DF}">
-                <a14:hiddenLine xmlns="" xmlns:a14="http://schemas.microsoft.com/office/drawing/2010/main" w="9525">
+                <a14:hiddenLine xmlns:a14="http://schemas.microsoft.com/office/drawing/2010/main" xmlns="" w="9525">
                   <a:solidFill>
                     <a:srgbClr val="000000"/>
                   </a:solidFill>
@@ -4394,7 +4404,7 @@
           <a:p>
             <a:fld id="{48A87A34-81AB-432B-8DAE-1953F412C126}" type="datetimeFigureOut">
               <a:rPr lang="en-US" dirty="0"/>
-              <a:t>1/29/23</a:t>
+              <a:t>2/13/23</a:t>
             </a:fld>
             <a:endParaRPr lang="en-US" dirty="0"/>
           </a:p>
@@ -4656,7 +4666,7 @@
           <a:p>
             <a:fld id="{48A87A34-81AB-432B-8DAE-1953F412C126}" type="datetimeFigureOut">
               <a:rPr lang="en-US" dirty="0"/>
-              <a:t>1/29/23</a:t>
+              <a:t>2/13/23</a:t>
             </a:fld>
             <a:endParaRPr lang="en-US" dirty="0"/>
           </a:p>
@@ -4847,7 +4857,7 @@
           <a:p>
             <a:fld id="{48A87A34-81AB-432B-8DAE-1953F412C126}" type="datetimeFigureOut">
               <a:rPr lang="en-US" dirty="0"/>
-              <a:t>1/29/23</a:t>
+              <a:t>2/13/23</a:t>
             </a:fld>
             <a:endParaRPr lang="en-US" dirty="0"/>
           </a:p>
@@ -5105,7 +5115,7 @@
           <a:p>
             <a:fld id="{48A87A34-81AB-432B-8DAE-1953F412C126}" type="datetimeFigureOut">
               <a:rPr lang="en-US" dirty="0"/>
-              <a:t>1/29/23</a:t>
+              <a:t>2/13/23</a:t>
             </a:fld>
             <a:endParaRPr lang="en-US" dirty="0"/>
           </a:p>
@@ -5534,7 +5544,7 @@
           <a:p>
             <a:fld id="{48A87A34-81AB-432B-8DAE-1953F412C126}" type="datetimeFigureOut">
               <a:rPr lang="en-US" dirty="0"/>
-              <a:t>1/29/23</a:t>
+              <a:t>2/13/23</a:t>
             </a:fld>
             <a:endParaRPr lang="en-US" dirty="0"/>
           </a:p>
@@ -6075,7 +6085,7 @@
           <a:p>
             <a:fld id="{48A87A34-81AB-432B-8DAE-1953F412C126}" type="datetimeFigureOut">
               <a:rPr lang="en-US" dirty="0"/>
-              <a:t>1/29/23</a:t>
+              <a:t>2/13/23</a:t>
             </a:fld>
             <a:endParaRPr lang="en-US" dirty="0"/>
           </a:p>
@@ -6790,7 +6800,7 @@
           <a:p>
             <a:fld id="{48A87A34-81AB-432B-8DAE-1953F412C126}" type="datetimeFigureOut">
               <a:rPr lang="en-US" dirty="0"/>
-              <a:t>1/29/23</a:t>
+              <a:t>2/13/23</a:t>
             </a:fld>
             <a:endParaRPr lang="en-US" dirty="0"/>
           </a:p>
@@ -6955,7 +6965,7 @@
           <a:p>
             <a:fld id="{48A87A34-81AB-432B-8DAE-1953F412C126}" type="datetimeFigureOut">
               <a:rPr lang="en-US" dirty="0"/>
-              <a:t>1/29/23</a:t>
+              <a:t>2/13/23</a:t>
             </a:fld>
             <a:endParaRPr lang="en-US" dirty="0"/>
           </a:p>
@@ -7130,7 +7140,7 @@
           <a:p>
             <a:fld id="{48A87A34-81AB-432B-8DAE-1953F412C126}" type="datetimeFigureOut">
               <a:rPr lang="en-US" dirty="0"/>
-              <a:t>1/29/23</a:t>
+              <a:t>2/13/23</a:t>
             </a:fld>
             <a:endParaRPr lang="en-US" dirty="0"/>
           </a:p>
@@ -7295,7 +7305,7 @@
           <a:p>
             <a:fld id="{48A87A34-81AB-432B-8DAE-1953F412C126}" type="datetimeFigureOut">
               <a:rPr lang="en-US" dirty="0"/>
-              <a:t>1/29/23</a:t>
+              <a:t>2/13/23</a:t>
             </a:fld>
             <a:endParaRPr lang="en-US" dirty="0"/>
           </a:p>
@@ -7540,7 +7550,7 @@
           <a:p>
             <a:fld id="{48A87A34-81AB-432B-8DAE-1953F412C126}" type="datetimeFigureOut">
               <a:rPr lang="en-US" dirty="0"/>
-              <a:t>1/29/23</a:t>
+              <a:t>2/13/23</a:t>
             </a:fld>
             <a:endParaRPr lang="en-US" dirty="0"/>
           </a:p>
@@ -7767,7 +7777,7 @@
           <a:p>
             <a:fld id="{48A87A34-81AB-432B-8DAE-1953F412C126}" type="datetimeFigureOut">
               <a:rPr lang="en-US" dirty="0"/>
-              <a:t>1/29/23</a:t>
+              <a:t>2/13/23</a:t>
             </a:fld>
             <a:endParaRPr lang="en-US" dirty="0"/>
           </a:p>
@@ -8143,7 +8153,7 @@
           <a:p>
             <a:fld id="{48A87A34-81AB-432B-8DAE-1953F412C126}" type="datetimeFigureOut">
               <a:rPr lang="en-US" dirty="0"/>
-              <a:t>1/29/23</a:t>
+              <a:t>2/13/23</a:t>
             </a:fld>
             <a:endParaRPr lang="en-US" dirty="0"/>
           </a:p>
@@ -8256,7 +8266,7 @@
           <a:p>
             <a:fld id="{48A87A34-81AB-432B-8DAE-1953F412C126}" type="datetimeFigureOut">
               <a:rPr lang="en-US" dirty="0"/>
-              <a:t>1/29/23</a:t>
+              <a:t>2/13/23</a:t>
             </a:fld>
             <a:endParaRPr lang="en-US" dirty="0"/>
           </a:p>
@@ -8346,7 +8356,7 @@
           <a:p>
             <a:fld id="{48A87A34-81AB-432B-8DAE-1953F412C126}" type="datetimeFigureOut">
               <a:rPr lang="en-US" dirty="0"/>
-              <a:t>1/29/23</a:t>
+              <a:t>2/13/23</a:t>
             </a:fld>
             <a:endParaRPr lang="en-US" dirty="0"/>
           </a:p>
@@ -8590,7 +8600,7 @@
           <a:p>
             <a:fld id="{48A87A34-81AB-432B-8DAE-1953F412C126}" type="datetimeFigureOut">
               <a:rPr lang="en-US" dirty="0"/>
-              <a:t>1/29/23</a:t>
+              <a:t>2/13/23</a:t>
             </a:fld>
             <a:endParaRPr lang="en-US" dirty="0"/>
           </a:p>
@@ -8865,7 +8875,7 @@
           <a:p>
             <a:fld id="{48A87A34-81AB-432B-8DAE-1953F412C126}" type="datetimeFigureOut">
               <a:rPr lang="en-US" dirty="0"/>
-              <a:t>1/29/23</a:t>
+              <a:t>2/13/23</a:t>
             </a:fld>
             <a:endParaRPr lang="en-US" dirty="0"/>
           </a:p>
@@ -8976,7 +8986,7 @@
           <a:noFill/>
           <a:extLst>
             <a:ext uri="{909E8E84-426E-40dd-AFC4-6F175D3DCCD1}">
-              <a14:hiddenFill xmlns="" xmlns:a14="http://schemas.microsoft.com/office/drawing/2010/main">
+              <a14:hiddenFill xmlns:a14="http://schemas.microsoft.com/office/drawing/2010/main" xmlns="">
                 <a:solidFill>
                   <a:srgbClr val="FFFFFF"/>
                 </a:solidFill>
@@ -9050,7 +9060,7 @@
               </a:ln>
               <a:extLst>
                 <a:ext uri="{91240B29-F687-4f45-9708-019B960494DF}">
-                  <a14:hiddenLine xmlns="" xmlns:a14="http://schemas.microsoft.com/office/drawing/2010/main" w="9525">
+                  <a14:hiddenLine xmlns:a14="http://schemas.microsoft.com/office/drawing/2010/main" xmlns="" w="9525">
                     <a:solidFill>
                       <a:srgbClr val="000000"/>
                     </a:solidFill>
@@ -9140,7 +9150,7 @@
               </a:ln>
               <a:extLst>
                 <a:ext uri="{91240B29-F687-4f45-9708-019B960494DF}">
-                  <a14:hiddenLine xmlns="" xmlns:a14="http://schemas.microsoft.com/office/drawing/2010/main" w="9525">
+                  <a14:hiddenLine xmlns:a14="http://schemas.microsoft.com/office/drawing/2010/main" xmlns="" w="9525">
                     <a:solidFill>
                       <a:srgbClr val="000000"/>
                     </a:solidFill>
@@ -9230,7 +9240,7 @@
               </a:ln>
               <a:extLst>
                 <a:ext uri="{91240B29-F687-4f45-9708-019B960494DF}">
-                  <a14:hiddenLine xmlns="" xmlns:a14="http://schemas.microsoft.com/office/drawing/2010/main" w="9525">
+                  <a14:hiddenLine xmlns:a14="http://schemas.microsoft.com/office/drawing/2010/main" xmlns="" w="9525">
                     <a:solidFill>
                       <a:srgbClr val="000000"/>
                     </a:solidFill>
@@ -9292,7 +9302,7 @@
               </a:ln>
               <a:extLst>
                 <a:ext uri="{91240B29-F687-4f45-9708-019B960494DF}">
-                  <a14:hiddenLine xmlns="" xmlns:a14="http://schemas.microsoft.com/office/drawing/2010/main" w="9525">
+                  <a14:hiddenLine xmlns:a14="http://schemas.microsoft.com/office/drawing/2010/main" xmlns="" w="9525">
                     <a:solidFill>
                       <a:srgbClr val="000000"/>
                     </a:solidFill>
@@ -9382,7 +9392,7 @@
               </a:ln>
               <a:extLst>
                 <a:ext uri="{91240B29-F687-4f45-9708-019B960494DF}">
-                  <a14:hiddenLine xmlns="" xmlns:a14="http://schemas.microsoft.com/office/drawing/2010/main" w="9525">
+                  <a14:hiddenLine xmlns:a14="http://schemas.microsoft.com/office/drawing/2010/main" xmlns="" w="9525">
                     <a:solidFill>
                       <a:srgbClr val="000000"/>
                     </a:solidFill>
@@ -9444,7 +9454,7 @@
               </a:ln>
               <a:extLst>
                 <a:ext uri="{91240B29-F687-4f45-9708-019B960494DF}">
-                  <a14:hiddenLine xmlns="" xmlns:a14="http://schemas.microsoft.com/office/drawing/2010/main" w="9525">
+                  <a14:hiddenLine xmlns:a14="http://schemas.microsoft.com/office/drawing/2010/main" xmlns="" w="9525">
                     <a:solidFill>
                       <a:srgbClr val="000000"/>
                     </a:solidFill>
@@ -9506,7 +9516,7 @@
               </a:ln>
               <a:extLst>
                 <a:ext uri="{91240B29-F687-4f45-9708-019B960494DF}">
-                  <a14:hiddenLine xmlns="" xmlns:a14="http://schemas.microsoft.com/office/drawing/2010/main" w="9525">
+                  <a14:hiddenLine xmlns:a14="http://schemas.microsoft.com/office/drawing/2010/main" xmlns="" w="9525">
                     <a:solidFill>
                       <a:srgbClr val="000000"/>
                     </a:solidFill>
@@ -9596,7 +9606,7 @@
               </a:ln>
               <a:extLst>
                 <a:ext uri="{91240B29-F687-4f45-9708-019B960494DF}">
-                  <a14:hiddenLine xmlns="" xmlns:a14="http://schemas.microsoft.com/office/drawing/2010/main" w="9525">
+                  <a14:hiddenLine xmlns:a14="http://schemas.microsoft.com/office/drawing/2010/main" xmlns="" w="9525">
                     <a:solidFill>
                       <a:srgbClr val="000000"/>
                     </a:solidFill>
@@ -9686,7 +9696,7 @@
               </a:ln>
               <a:extLst>
                 <a:ext uri="{91240B29-F687-4f45-9708-019B960494DF}">
-                  <a14:hiddenLine xmlns="" xmlns:a14="http://schemas.microsoft.com/office/drawing/2010/main" w="9525">
+                  <a14:hiddenLine xmlns:a14="http://schemas.microsoft.com/office/drawing/2010/main" xmlns="" w="9525">
                     <a:solidFill>
                       <a:srgbClr val="000000"/>
                     </a:solidFill>
@@ -9748,7 +9758,7 @@
               </a:ln>
               <a:extLst>
                 <a:ext uri="{91240B29-F687-4f45-9708-019B960494DF}">
-                  <a14:hiddenLine xmlns="" xmlns:a14="http://schemas.microsoft.com/office/drawing/2010/main" w="9525">
+                  <a14:hiddenLine xmlns:a14="http://schemas.microsoft.com/office/drawing/2010/main" xmlns="" w="9525">
                     <a:solidFill>
                       <a:srgbClr val="000000"/>
                     </a:solidFill>
@@ -9858,7 +9868,7 @@
               </a:ln>
               <a:extLst>
                 <a:ext uri="{91240B29-F687-4f45-9708-019B960494DF}">
-                  <a14:hiddenLine xmlns="" xmlns:a14="http://schemas.microsoft.com/office/drawing/2010/main" w="9525">
+                  <a14:hiddenLine xmlns:a14="http://schemas.microsoft.com/office/drawing/2010/main" xmlns="" w="9525">
                     <a:solidFill>
                       <a:srgbClr val="000000"/>
                     </a:solidFill>
@@ -9942,7 +9952,7 @@
               </a:ln>
               <a:extLst>
                 <a:ext uri="{91240B29-F687-4f45-9708-019B960494DF}">
-                  <a14:hiddenLine xmlns="" xmlns:a14="http://schemas.microsoft.com/office/drawing/2010/main" w="9525">
+                  <a14:hiddenLine xmlns:a14="http://schemas.microsoft.com/office/drawing/2010/main" xmlns="" w="9525">
                     <a:solidFill>
                       <a:srgbClr val="000000"/>
                     </a:solidFill>
@@ -10004,7 +10014,7 @@
               </a:ln>
               <a:extLst>
                 <a:ext uri="{91240B29-F687-4f45-9708-019B960494DF}">
-                  <a14:hiddenLine xmlns="" xmlns:a14="http://schemas.microsoft.com/office/drawing/2010/main" w="9525">
+                  <a14:hiddenLine xmlns:a14="http://schemas.microsoft.com/office/drawing/2010/main" xmlns="" w="9525">
                     <a:solidFill>
                       <a:srgbClr val="000000"/>
                     </a:solidFill>
@@ -10066,7 +10076,7 @@
               </a:ln>
               <a:extLst>
                 <a:ext uri="{91240B29-F687-4f45-9708-019B960494DF}">
-                  <a14:hiddenLine xmlns="" xmlns:a14="http://schemas.microsoft.com/office/drawing/2010/main" w="9525">
+                  <a14:hiddenLine xmlns:a14="http://schemas.microsoft.com/office/drawing/2010/main" xmlns="" w="9525">
                     <a:solidFill>
                       <a:srgbClr val="000000"/>
                     </a:solidFill>
@@ -10156,7 +10166,7 @@
               </a:ln>
               <a:extLst>
                 <a:ext uri="{91240B29-F687-4f45-9708-019B960494DF}">
-                  <a14:hiddenLine xmlns="" xmlns:a14="http://schemas.microsoft.com/office/drawing/2010/main" w="9525">
+                  <a14:hiddenLine xmlns:a14="http://schemas.microsoft.com/office/drawing/2010/main" xmlns="" w="9525">
                     <a:solidFill>
                       <a:srgbClr val="000000"/>
                     </a:solidFill>
@@ -10190,7 +10200,7 @@
               </a:ln>
               <a:extLst>
                 <a:ext uri="{91240B29-F687-4f45-9708-019B960494DF}">
-                  <a14:hiddenLine xmlns="" xmlns:a14="http://schemas.microsoft.com/office/drawing/2010/main" w="9525">
+                  <a14:hiddenLine xmlns:a14="http://schemas.microsoft.com/office/drawing/2010/main" xmlns="" w="9525">
                     <a:solidFill>
                       <a:srgbClr val="000000"/>
                     </a:solidFill>
@@ -10255,7 +10265,7 @@
               </a:ln>
               <a:extLst>
                 <a:ext uri="{91240B29-F687-4f45-9708-019B960494DF}">
-                  <a14:hiddenLine xmlns="" xmlns:a14="http://schemas.microsoft.com/office/drawing/2010/main" w="9525">
+                  <a14:hiddenLine xmlns:a14="http://schemas.microsoft.com/office/drawing/2010/main" xmlns="" w="9525">
                     <a:solidFill>
                       <a:srgbClr val="000000"/>
                     </a:solidFill>
@@ -10345,7 +10355,7 @@
               </a:ln>
               <a:extLst>
                 <a:ext uri="{91240B29-F687-4f45-9708-019B960494DF}">
-                  <a14:hiddenLine xmlns="" xmlns:a14="http://schemas.microsoft.com/office/drawing/2010/main" w="9525">
+                  <a14:hiddenLine xmlns:a14="http://schemas.microsoft.com/office/drawing/2010/main" xmlns="" w="9525">
                     <a:solidFill>
                       <a:srgbClr val="000000"/>
                     </a:solidFill>
@@ -10407,7 +10417,7 @@
               </a:ln>
               <a:extLst>
                 <a:ext uri="{91240B29-F687-4f45-9708-019B960494DF}">
-                  <a14:hiddenLine xmlns="" xmlns:a14="http://schemas.microsoft.com/office/drawing/2010/main" w="9525">
+                  <a14:hiddenLine xmlns:a14="http://schemas.microsoft.com/office/drawing/2010/main" xmlns="" w="9525">
                     <a:solidFill>
                       <a:srgbClr val="000000"/>
                     </a:solidFill>
@@ -10497,7 +10507,7 @@
               </a:ln>
               <a:extLst>
                 <a:ext uri="{91240B29-F687-4f45-9708-019B960494DF}">
-                  <a14:hiddenLine xmlns="" xmlns:a14="http://schemas.microsoft.com/office/drawing/2010/main" w="9525">
+                  <a14:hiddenLine xmlns:a14="http://schemas.microsoft.com/office/drawing/2010/main" xmlns="" w="9525">
                     <a:solidFill>
                       <a:srgbClr val="000000"/>
                     </a:solidFill>
@@ -10562,7 +10572,7 @@
               </a:ln>
               <a:extLst>
                 <a:ext uri="{91240B29-F687-4f45-9708-019B960494DF}">
-                  <a14:hiddenLine xmlns="" xmlns:a14="http://schemas.microsoft.com/office/drawing/2010/main" w="9525">
+                  <a14:hiddenLine xmlns:a14="http://schemas.microsoft.com/office/drawing/2010/main" xmlns="" w="9525">
                     <a:solidFill>
                       <a:srgbClr val="000000"/>
                     </a:solidFill>
@@ -10624,7 +10634,7 @@
               </a:ln>
               <a:extLst>
                 <a:ext uri="{91240B29-F687-4f45-9708-019B960494DF}">
-                  <a14:hiddenLine xmlns="" xmlns:a14="http://schemas.microsoft.com/office/drawing/2010/main" w="9525">
+                  <a14:hiddenLine xmlns:a14="http://schemas.microsoft.com/office/drawing/2010/main" xmlns="" w="9525">
                     <a:solidFill>
                       <a:srgbClr val="000000"/>
                     </a:solidFill>
@@ -10714,7 +10724,7 @@
               </a:ln>
               <a:extLst>
                 <a:ext uri="{91240B29-F687-4f45-9708-019B960494DF}">
-                  <a14:hiddenLine xmlns="" xmlns:a14="http://schemas.microsoft.com/office/drawing/2010/main" w="9525">
+                  <a14:hiddenLine xmlns:a14="http://schemas.microsoft.com/office/drawing/2010/main" xmlns="" w="9525">
                     <a:solidFill>
                       <a:srgbClr val="000000"/>
                     </a:solidFill>
@@ -10804,7 +10814,7 @@
               </a:ln>
               <a:extLst>
                 <a:ext uri="{91240B29-F687-4f45-9708-019B960494DF}">
-                  <a14:hiddenLine xmlns="" xmlns:a14="http://schemas.microsoft.com/office/drawing/2010/main" w="9525">
+                  <a14:hiddenLine xmlns:a14="http://schemas.microsoft.com/office/drawing/2010/main" xmlns="" w="9525">
                     <a:solidFill>
                       <a:srgbClr val="000000"/>
                     </a:solidFill>
@@ -10869,7 +10879,7 @@
               </a:ln>
               <a:extLst>
                 <a:ext uri="{91240B29-F687-4f45-9708-019B960494DF}">
-                  <a14:hiddenLine xmlns="" xmlns:a14="http://schemas.microsoft.com/office/drawing/2010/main" w="9525">
+                  <a14:hiddenLine xmlns:a14="http://schemas.microsoft.com/office/drawing/2010/main" xmlns="" w="9525">
                     <a:solidFill>
                       <a:srgbClr val="000000"/>
                     </a:solidFill>
@@ -10989,7 +10999,7 @@
               </a:ln>
               <a:extLst>
                 <a:ext uri="{91240B29-F687-4f45-9708-019B960494DF}">
-                  <a14:hiddenLine xmlns="" xmlns:a14="http://schemas.microsoft.com/office/drawing/2010/main" w="9525">
+                  <a14:hiddenLine xmlns:a14="http://schemas.microsoft.com/office/drawing/2010/main" xmlns="" w="9525">
                     <a:solidFill>
                       <a:srgbClr val="000000"/>
                     </a:solidFill>
@@ -11087,7 +11097,7 @@
               </a:ln>
               <a:extLst>
                 <a:ext uri="{91240B29-F687-4f45-9708-019B960494DF}">
-                  <a14:hiddenLine xmlns="" xmlns:a14="http://schemas.microsoft.com/office/drawing/2010/main" w="9525">
+                  <a14:hiddenLine xmlns:a14="http://schemas.microsoft.com/office/drawing/2010/main" xmlns="" w="9525">
                     <a:solidFill>
                       <a:srgbClr val="000000"/>
                     </a:solidFill>
@@ -11202,7 +11212,7 @@
               </a:ln>
               <a:extLst>
                 <a:ext uri="{91240B29-F687-4f45-9708-019B960494DF}">
-                  <a14:hiddenLine xmlns="" xmlns:a14="http://schemas.microsoft.com/office/drawing/2010/main" w="9525">
+                  <a14:hiddenLine xmlns:a14="http://schemas.microsoft.com/office/drawing/2010/main" xmlns="" w="9525">
                     <a:solidFill>
                       <a:srgbClr val="000000"/>
                     </a:solidFill>
@@ -11292,7 +11302,7 @@
               </a:ln>
               <a:extLst>
                 <a:ext uri="{91240B29-F687-4f45-9708-019B960494DF}">
-                  <a14:hiddenLine xmlns="" xmlns:a14="http://schemas.microsoft.com/office/drawing/2010/main" w="9525">
+                  <a14:hiddenLine xmlns:a14="http://schemas.microsoft.com/office/drawing/2010/main" xmlns="" w="9525">
                     <a:solidFill>
                       <a:srgbClr val="000000"/>
                     </a:solidFill>
@@ -11357,7 +11367,7 @@
               </a:ln>
               <a:extLst>
                 <a:ext uri="{91240B29-F687-4f45-9708-019B960494DF}">
-                  <a14:hiddenLine xmlns="" xmlns:a14="http://schemas.microsoft.com/office/drawing/2010/main" w="9525">
+                  <a14:hiddenLine xmlns:a14="http://schemas.microsoft.com/office/drawing/2010/main" xmlns="" w="9525">
                     <a:solidFill>
                       <a:srgbClr val="000000"/>
                     </a:solidFill>
@@ -11447,7 +11457,7 @@
               </a:ln>
               <a:extLst>
                 <a:ext uri="{91240B29-F687-4f45-9708-019B960494DF}">
-                  <a14:hiddenLine xmlns="" xmlns:a14="http://schemas.microsoft.com/office/drawing/2010/main" w="9525">
+                  <a14:hiddenLine xmlns:a14="http://schemas.microsoft.com/office/drawing/2010/main" xmlns="" w="9525">
                     <a:solidFill>
                       <a:srgbClr val="000000"/>
                     </a:solidFill>
@@ -11515,7 +11525,7 @@
               </a:ln>
               <a:extLst>
                 <a:ext uri="{91240B29-F687-4f45-9708-019B960494DF}">
-                  <a14:hiddenLine xmlns="" xmlns:a14="http://schemas.microsoft.com/office/drawing/2010/main" w="9525">
+                  <a14:hiddenLine xmlns:a14="http://schemas.microsoft.com/office/drawing/2010/main" xmlns="" w="9525">
                     <a:solidFill>
                       <a:srgbClr val="000000"/>
                     </a:solidFill>
@@ -11605,7 +11615,7 @@
               </a:ln>
               <a:extLst>
                 <a:ext uri="{91240B29-F687-4f45-9708-019B960494DF}">
-                  <a14:hiddenLine xmlns="" xmlns:a14="http://schemas.microsoft.com/office/drawing/2010/main" w="9525">
+                  <a14:hiddenLine xmlns:a14="http://schemas.microsoft.com/office/drawing/2010/main" xmlns="" w="9525">
                     <a:solidFill>
                       <a:srgbClr val="000000"/>
                     </a:solidFill>
@@ -11673,7 +11683,7 @@
               </a:ln>
               <a:extLst>
                 <a:ext uri="{91240B29-F687-4f45-9708-019B960494DF}">
-                  <a14:hiddenLine xmlns="" xmlns:a14="http://schemas.microsoft.com/office/drawing/2010/main" w="9525">
+                  <a14:hiddenLine xmlns:a14="http://schemas.microsoft.com/office/drawing/2010/main" xmlns="" w="9525">
                     <a:solidFill>
                       <a:srgbClr val="000000"/>
                     </a:solidFill>
@@ -11763,7 +11773,7 @@
               </a:ln>
               <a:extLst>
                 <a:ext uri="{91240B29-F687-4f45-9708-019B960494DF}">
-                  <a14:hiddenLine xmlns="" xmlns:a14="http://schemas.microsoft.com/office/drawing/2010/main" w="9525">
+                  <a14:hiddenLine xmlns:a14="http://schemas.microsoft.com/office/drawing/2010/main" xmlns="" w="9525">
                     <a:solidFill>
                       <a:srgbClr val="000000"/>
                     </a:solidFill>
@@ -11797,7 +11807,7 @@
               </a:ln>
               <a:extLst>
                 <a:ext uri="{91240B29-F687-4f45-9708-019B960494DF}">
-                  <a14:hiddenLine xmlns="" xmlns:a14="http://schemas.microsoft.com/office/drawing/2010/main" w="9525">
+                  <a14:hiddenLine xmlns:a14="http://schemas.microsoft.com/office/drawing/2010/main" xmlns="" w="9525">
                     <a:solidFill>
                       <a:srgbClr val="000000"/>
                     </a:solidFill>
@@ -11938,7 +11948,7 @@
             <a:fld id="{48A87A34-81AB-432B-8DAE-1953F412C126}" type="datetimeFigureOut">
               <a:rPr lang="en-US" dirty="0"/>
               <a:pPr/>
-              <a:t>1/29/23</a:t>
+              <a:t>2/13/23</a:t>
             </a:fld>
             <a:endParaRPr lang="en-US" dirty="0"/>
           </a:p>
@@ -12377,29 +12387,26 @@
           </a:bodyPr>
           <a:lstStyle/>
           <a:p>
+            <a:pPr algn="ctr"/>
             <a:r>
               <a:rPr lang="en-DO" dirty="0"/>
               <a:t>Data Set mantenimiento, </a:t>
-            </a:r>
-            <a:br>
-              <a:rPr lang="en-DO"/>
-            </a:br>
-            <a:r>
-              <a:rPr lang="en-DO"/>
-              <a:t>P</a:t>
-            </a:r>
-            <a:r>
-              <a:rPr lang="en-US" dirty="0"/>
-              <a:t>a</a:t>
-            </a:r>
-            <a:r>
-              <a:rPr lang="en-DO" dirty="0"/>
-              <a:t>ra predecir cuando habra una falla y cuales tipos de falla.</a:t>
             </a:r>
             <a:br>
               <a:rPr lang="en-DO" dirty="0"/>
             </a:br>
-            <a:endParaRPr lang="en-DO" dirty="0"/>
+            <a:r>
+              <a:rPr lang="en-DO" dirty="0"/>
+              <a:t>P</a:t>
+            </a:r>
+            <a:r>
+              <a:rPr lang="en-US" dirty="0"/>
+              <a:t>a</a:t>
+            </a:r>
+            <a:r>
+              <a:rPr lang="en-DO" dirty="0"/>
+              <a:t>ra predecir cuando habra una falla y cuales tipos de falla.</a:t>
+            </a:r>
           </a:p>
         </p:txBody>
       </p:sp>
@@ -12419,12 +12426,23 @@
             <p:ph type="subTitle" idx="1"/>
           </p:nvPr>
         </p:nvSpPr>
-        <p:spPr/>
+        <p:spPr>
+          <a:xfrm>
+            <a:off x="1550583" y="3809222"/>
+            <a:ext cx="8791575" cy="1655762"/>
+          </a:xfrm>
+        </p:spPr>
         <p:txBody>
-          <a:bodyPr/>
+          <a:bodyPr>
+            <a:normAutofit/>
+          </a:bodyPr>
           <a:lstStyle/>
           <a:p>
-            <a:endParaRPr lang="en-DO" dirty="0"/>
+            <a:pPr algn="ctr"/>
+            <a:r>
+              <a:rPr lang="en-DO" sz="3600" b="1" dirty="0"/>
+              <a:t>Johnny David sAntana Segura</a:t>
+            </a:r>
           </a:p>
         </p:txBody>
       </p:sp>
@@ -12432,6 +12450,994 @@
     <p:extLst>
       <p:ext uri="{BB962C8B-B14F-4D97-AF65-F5344CB8AC3E}">
         <p14:creationId xmlns:p14="http://schemas.microsoft.com/office/powerpoint/2010/main" val="52159182"/>
+      </p:ext>
+    </p:extLst>
+  </p:cSld>
+  <p:clrMapOvr>
+    <a:masterClrMapping/>
+  </p:clrMapOvr>
+</p:sld>
+</file>
+
+<file path=ppt/slides/slide10.xml><?xml version="1.0" encoding="utf-8"?>
+<p:sld xmlns:a="http://schemas.openxmlformats.org/drawingml/2006/main" xmlns:r="http://schemas.openxmlformats.org/officeDocument/2006/relationships" xmlns:p="http://schemas.openxmlformats.org/presentationml/2006/main">
+  <p:cSld>
+    <p:spTree>
+      <p:nvGrpSpPr>
+        <p:cNvPr id="1" name=""/>
+        <p:cNvGrpSpPr/>
+        <p:nvPr/>
+      </p:nvGrpSpPr>
+      <p:grpSpPr>
+        <a:xfrm>
+          <a:off x="0" y="0"/>
+          <a:ext cx="0" cy="0"/>
+          <a:chOff x="0" y="0"/>
+          <a:chExt cx="0" cy="0"/>
+        </a:xfrm>
+      </p:grpSpPr>
+      <p:pic>
+        <p:nvPicPr>
+          <p:cNvPr id="5" name="Content Placeholder 4">
+            <a:extLst>
+              <a:ext uri="{FF2B5EF4-FFF2-40B4-BE49-F238E27FC236}">
+                <a16:creationId xmlns:a16="http://schemas.microsoft.com/office/drawing/2014/main" id="{FEB01E10-E80C-E849-169C-17B3920232CD}"/>
+              </a:ext>
+            </a:extLst>
+          </p:cNvPr>
+          <p:cNvPicPr>
+            <a:picLocks noGrp="1" noChangeAspect="1"/>
+          </p:cNvPicPr>
+          <p:nvPr>
+            <p:ph idx="1"/>
+          </p:nvPr>
+        </p:nvPicPr>
+        <p:blipFill>
+          <a:blip r:embed="rId2"/>
+          <a:stretch>
+            <a:fillRect/>
+          </a:stretch>
+        </p:blipFill>
+        <p:spPr>
+          <a:xfrm>
+            <a:off x="3197610" y="515704"/>
+            <a:ext cx="5796779" cy="5487618"/>
+          </a:xfrm>
+        </p:spPr>
+      </p:pic>
+      <p:sp>
+        <p:nvSpPr>
+          <p:cNvPr id="2" name="TextBox 1">
+            <a:extLst>
+              <a:ext uri="{FF2B5EF4-FFF2-40B4-BE49-F238E27FC236}">
+                <a16:creationId xmlns:a16="http://schemas.microsoft.com/office/drawing/2014/main" id="{1524DF69-E1A8-440D-B1AB-A4ECD5AD187F}"/>
+              </a:ext>
+            </a:extLst>
+          </p:cNvPr>
+          <p:cNvSpPr txBox="1"/>
+          <p:nvPr/>
+        </p:nvSpPr>
+        <p:spPr>
+          <a:xfrm>
+            <a:off x="1790782" y="6234546"/>
+            <a:ext cx="8610434" cy="369332"/>
+          </a:xfrm>
+          <a:prstGeom prst="rect">
+            <a:avLst/>
+          </a:prstGeom>
+          <a:noFill/>
+        </p:spPr>
+        <p:txBody>
+          <a:bodyPr wrap="none" rtlCol="0">
+            <a:spAutoFit/>
+          </a:bodyPr>
+          <a:lstStyle/>
+          <a:p>
+            <a:r>
+              <a:rPr lang="en-DO" dirty="0"/>
+              <a:t>Una data que contiene la variable target de: 0  “No fallo”  con 9661 y 1 ”Si fallo” con 339</a:t>
+            </a:r>
+          </a:p>
+        </p:txBody>
+      </p:sp>
+    </p:spTree>
+    <p:extLst>
+      <p:ext uri="{BB962C8B-B14F-4D97-AF65-F5344CB8AC3E}">
+        <p14:creationId xmlns:p14="http://schemas.microsoft.com/office/powerpoint/2010/main" val="1980939686"/>
+      </p:ext>
+    </p:extLst>
+  </p:cSld>
+  <p:clrMapOvr>
+    <a:masterClrMapping/>
+  </p:clrMapOvr>
+</p:sld>
+</file>
+
+<file path=ppt/slides/slide11.xml><?xml version="1.0" encoding="utf-8"?>
+<p:sld xmlns:a="http://schemas.openxmlformats.org/drawingml/2006/main" xmlns:r="http://schemas.openxmlformats.org/officeDocument/2006/relationships" xmlns:p="http://schemas.openxmlformats.org/presentationml/2006/main">
+  <p:cSld>
+    <p:spTree>
+      <p:nvGrpSpPr>
+        <p:cNvPr id="1" name=""/>
+        <p:cNvGrpSpPr/>
+        <p:nvPr/>
+      </p:nvGrpSpPr>
+      <p:grpSpPr>
+        <a:xfrm>
+          <a:off x="0" y="0"/>
+          <a:ext cx="0" cy="0"/>
+          <a:chOff x="0" y="0"/>
+          <a:chExt cx="0" cy="0"/>
+        </a:xfrm>
+      </p:grpSpPr>
+      <p:pic>
+        <p:nvPicPr>
+          <p:cNvPr id="5" name="Content Placeholder 4">
+            <a:extLst>
+              <a:ext uri="{FF2B5EF4-FFF2-40B4-BE49-F238E27FC236}">
+                <a16:creationId xmlns:a16="http://schemas.microsoft.com/office/drawing/2014/main" id="{D3F33D9F-177F-6C42-3401-62805D51C89C}"/>
+              </a:ext>
+            </a:extLst>
+          </p:cNvPr>
+          <p:cNvPicPr>
+            <a:picLocks noGrp="1" noChangeAspect="1"/>
+          </p:cNvPicPr>
+          <p:nvPr>
+            <p:ph idx="1"/>
+          </p:nvPr>
+        </p:nvPicPr>
+        <p:blipFill>
+          <a:blip r:embed="rId2"/>
+          <a:stretch>
+            <a:fillRect/>
+          </a:stretch>
+        </p:blipFill>
+        <p:spPr>
+          <a:xfrm>
+            <a:off x="3558914" y="1074532"/>
+            <a:ext cx="5074172" cy="4708936"/>
+          </a:xfrm>
+        </p:spPr>
+      </p:pic>
+      <p:sp>
+        <p:nvSpPr>
+          <p:cNvPr id="6" name="TextBox 5">
+            <a:extLst>
+              <a:ext uri="{FF2B5EF4-FFF2-40B4-BE49-F238E27FC236}">
+                <a16:creationId xmlns:a16="http://schemas.microsoft.com/office/drawing/2014/main" id="{F15E0700-5F55-733D-66DD-6D0B580E2567}"/>
+              </a:ext>
+            </a:extLst>
+          </p:cNvPr>
+          <p:cNvSpPr txBox="1"/>
+          <p:nvPr/>
+        </p:nvSpPr>
+        <p:spPr>
+          <a:xfrm>
+            <a:off x="2185250" y="5935287"/>
+            <a:ext cx="7835928" cy="369332"/>
+          </a:xfrm>
+          <a:prstGeom prst="rect">
+            <a:avLst/>
+          </a:prstGeom>
+          <a:noFill/>
+        </p:spPr>
+        <p:txBody>
+          <a:bodyPr wrap="none" rtlCol="0">
+            <a:spAutoFit/>
+          </a:bodyPr>
+          <a:lstStyle/>
+          <a:p>
+            <a:r>
+              <a:rPr lang="en-DO" dirty="0"/>
+              <a:t>No exsite una correlacion relevante entre la variable target, de tener un fallo o no.</a:t>
+            </a:r>
+          </a:p>
+        </p:txBody>
+      </p:sp>
+    </p:spTree>
+    <p:extLst>
+      <p:ext uri="{BB962C8B-B14F-4D97-AF65-F5344CB8AC3E}">
+        <p14:creationId xmlns:p14="http://schemas.microsoft.com/office/powerpoint/2010/main" val="155382430"/>
+      </p:ext>
+    </p:extLst>
+  </p:cSld>
+  <p:clrMapOvr>
+    <a:masterClrMapping/>
+  </p:clrMapOvr>
+</p:sld>
+</file>
+
+<file path=ppt/slides/slide12.xml><?xml version="1.0" encoding="utf-8"?>
+<p:sld xmlns:a="http://schemas.openxmlformats.org/drawingml/2006/main" xmlns:r="http://schemas.openxmlformats.org/officeDocument/2006/relationships" xmlns:p="http://schemas.openxmlformats.org/presentationml/2006/main">
+  <p:cSld>
+    <p:spTree>
+      <p:nvGrpSpPr>
+        <p:cNvPr id="1" name=""/>
+        <p:cNvGrpSpPr/>
+        <p:nvPr/>
+      </p:nvGrpSpPr>
+      <p:grpSpPr>
+        <a:xfrm>
+          <a:off x="0" y="0"/>
+          <a:ext cx="0" cy="0"/>
+          <a:chOff x="0" y="0"/>
+          <a:chExt cx="0" cy="0"/>
+        </a:xfrm>
+      </p:grpSpPr>
+      <p:pic>
+        <p:nvPicPr>
+          <p:cNvPr id="5" name="Content Placeholder 4">
+            <a:extLst>
+              <a:ext uri="{FF2B5EF4-FFF2-40B4-BE49-F238E27FC236}">
+                <a16:creationId xmlns:a16="http://schemas.microsoft.com/office/drawing/2014/main" id="{EDE81565-C5E3-40DC-CA02-47D9642C0D04}"/>
+              </a:ext>
+            </a:extLst>
+          </p:cNvPr>
+          <p:cNvPicPr>
+            <a:picLocks noGrp="1" noChangeAspect="1"/>
+          </p:cNvPicPr>
+          <p:nvPr>
+            <p:ph idx="1"/>
+          </p:nvPr>
+        </p:nvPicPr>
+        <p:blipFill>
+          <a:blip r:embed="rId2"/>
+          <a:stretch>
+            <a:fillRect/>
+          </a:stretch>
+        </p:blipFill>
+        <p:spPr>
+          <a:xfrm>
+            <a:off x="1951947" y="653444"/>
+            <a:ext cx="8288106" cy="4583574"/>
+          </a:xfrm>
+        </p:spPr>
+      </p:pic>
+      <p:sp>
+        <p:nvSpPr>
+          <p:cNvPr id="6" name="TextBox 5">
+            <a:extLst>
+              <a:ext uri="{FF2B5EF4-FFF2-40B4-BE49-F238E27FC236}">
+                <a16:creationId xmlns:a16="http://schemas.microsoft.com/office/drawing/2014/main" id="{D48A37ED-3D50-E505-5003-033A52F1495A}"/>
+              </a:ext>
+            </a:extLst>
+          </p:cNvPr>
+          <p:cNvSpPr txBox="1"/>
+          <p:nvPr/>
+        </p:nvSpPr>
+        <p:spPr>
+          <a:xfrm>
+            <a:off x="1232648" y="5535965"/>
+            <a:ext cx="9726702" cy="369332"/>
+          </a:xfrm>
+          <a:prstGeom prst="rect">
+            <a:avLst/>
+          </a:prstGeom>
+          <a:noFill/>
+        </p:spPr>
+        <p:txBody>
+          <a:bodyPr wrap="none" rtlCol="0">
+            <a:spAutoFit/>
+          </a:bodyPr>
+          <a:lstStyle/>
+          <a:p>
+            <a:r>
+              <a:rPr lang="en-DO" dirty="0"/>
+              <a:t>Usando un compilador en un scatterplot para analizar toda la data con los datos que tienen fallos y no.</a:t>
+            </a:r>
+          </a:p>
+        </p:txBody>
+      </p:sp>
+    </p:spTree>
+    <p:extLst>
+      <p:ext uri="{BB962C8B-B14F-4D97-AF65-F5344CB8AC3E}">
+        <p14:creationId xmlns:p14="http://schemas.microsoft.com/office/powerpoint/2010/main" val="1567576670"/>
+      </p:ext>
+    </p:extLst>
+  </p:cSld>
+  <p:clrMapOvr>
+    <a:masterClrMapping/>
+  </p:clrMapOvr>
+</p:sld>
+</file>
+
+<file path=ppt/slides/slide13.xml><?xml version="1.0" encoding="utf-8"?>
+<p:sld xmlns:a="http://schemas.openxmlformats.org/drawingml/2006/main" xmlns:r="http://schemas.openxmlformats.org/officeDocument/2006/relationships" xmlns:p="http://schemas.openxmlformats.org/presentationml/2006/main">
+  <p:cSld>
+    <p:spTree>
+      <p:nvGrpSpPr>
+        <p:cNvPr id="1" name=""/>
+        <p:cNvGrpSpPr/>
+        <p:nvPr/>
+      </p:nvGrpSpPr>
+      <p:grpSpPr>
+        <a:xfrm>
+          <a:off x="0" y="0"/>
+          <a:ext cx="0" cy="0"/>
+          <a:chOff x="0" y="0"/>
+          <a:chExt cx="0" cy="0"/>
+        </a:xfrm>
+      </p:grpSpPr>
+      <p:sp>
+        <p:nvSpPr>
+          <p:cNvPr id="2" name="Title 1">
+            <a:extLst>
+              <a:ext uri="{FF2B5EF4-FFF2-40B4-BE49-F238E27FC236}">
+                <a16:creationId xmlns:a16="http://schemas.microsoft.com/office/drawing/2014/main" id="{C2631EE2-4B8B-9BC6-312D-EF80E8E78BB0}"/>
+              </a:ext>
+            </a:extLst>
+          </p:cNvPr>
+          <p:cNvSpPr>
+            <a:spLocks noGrp="1"/>
+          </p:cNvSpPr>
+          <p:nvPr>
+            <p:ph type="title"/>
+          </p:nvPr>
+        </p:nvSpPr>
+        <p:spPr/>
+        <p:txBody>
+          <a:bodyPr/>
+          <a:lstStyle/>
+          <a:p>
+            <a:r>
+              <a:rPr lang="en-DO" dirty="0"/>
+              <a:t>Modelo elegido para predecir cuando existira una falla en la maquinaria</a:t>
+            </a:r>
+          </a:p>
+        </p:txBody>
+      </p:sp>
+      <p:sp>
+        <p:nvSpPr>
+          <p:cNvPr id="3" name="Content Placeholder 2">
+            <a:extLst>
+              <a:ext uri="{FF2B5EF4-FFF2-40B4-BE49-F238E27FC236}">
+                <a16:creationId xmlns:a16="http://schemas.microsoft.com/office/drawing/2014/main" id="{E76FBA04-B9DD-6C0A-EEDC-FE620F2EC96B}"/>
+              </a:ext>
+            </a:extLst>
+          </p:cNvPr>
+          <p:cNvSpPr>
+            <a:spLocks noGrp="1"/>
+          </p:cNvSpPr>
+          <p:nvPr>
+            <p:ph idx="1"/>
+          </p:nvPr>
+        </p:nvSpPr>
+        <p:spPr/>
+        <p:txBody>
+          <a:bodyPr>
+            <a:normAutofit fontScale="92500" lnSpcReduction="20000"/>
+          </a:bodyPr>
+          <a:lstStyle/>
+          <a:p>
+            <a:r>
+              <a:rPr lang="es-ES_tradnl" dirty="0"/>
+              <a:t>El modelo elegido es el XGBOOST, entendimos que da mejor predicción con los datos de prueba y de entrenamiento. No existe un sobreajuste.</a:t>
+            </a:r>
+          </a:p>
+          <a:p>
+            <a:r>
+              <a:rPr lang="es-ES_tradnl" dirty="0"/>
+              <a:t>De todos modos, probamos con </a:t>
+            </a:r>
+            <a:r>
+              <a:rPr lang="es-ES_tradnl" dirty="0" err="1"/>
+              <a:t>RandomForest</a:t>
+            </a:r>
+            <a:r>
+              <a:rPr lang="es-ES_tradnl" dirty="0"/>
+              <a:t> y Regresión Logística.</a:t>
+            </a:r>
+          </a:p>
+          <a:p>
+            <a:r>
+              <a:rPr lang="es-ES_tradnl" dirty="0"/>
+              <a:t>Para no sobre entrenar el modelo  dejamos las variables 'UDI','</a:t>
+            </a:r>
+            <a:r>
+              <a:rPr lang="es-ES_tradnl" dirty="0" err="1"/>
+              <a:t>Product</a:t>
+            </a:r>
+            <a:r>
+              <a:rPr lang="es-ES_tradnl" dirty="0"/>
+              <a:t> ID’ fuera de nuestras variables predictoras. </a:t>
+            </a:r>
+          </a:p>
+          <a:p>
+            <a:r>
+              <a:rPr lang="es-ES_tradnl" b="1" dirty="0"/>
+              <a:t>Nuestro Modelo XGBOOST nos arrojo los siguientes  los resultados. </a:t>
+            </a:r>
+          </a:p>
+          <a:p>
+            <a:r>
+              <a:rPr lang="es-ES_tradnl" b="1" dirty="0"/>
+              <a:t>Training </a:t>
+            </a:r>
+            <a:r>
+              <a:rPr lang="es-ES_tradnl" b="1" dirty="0" err="1"/>
+              <a:t>accuracy</a:t>
+            </a:r>
+            <a:r>
+              <a:rPr lang="es-ES_tradnl" b="1" dirty="0"/>
+              <a:t>: 1.0</a:t>
+            </a:r>
+          </a:p>
+          <a:p>
+            <a:r>
+              <a:rPr lang="es-ES_tradnl" b="1" dirty="0" err="1"/>
+              <a:t>Testing</a:t>
+            </a:r>
+            <a:r>
+              <a:rPr lang="es-ES_tradnl" b="1" dirty="0"/>
+              <a:t> </a:t>
+            </a:r>
+            <a:r>
+              <a:rPr lang="es-ES_tradnl" b="1" dirty="0" err="1"/>
+              <a:t>accuracy</a:t>
+            </a:r>
+            <a:r>
+              <a:rPr lang="es-ES_tradnl" b="1" dirty="0"/>
+              <a:t>: 0.9856</a:t>
+            </a:r>
+          </a:p>
+        </p:txBody>
+      </p:sp>
+    </p:spTree>
+    <p:extLst>
+      <p:ext uri="{BB962C8B-B14F-4D97-AF65-F5344CB8AC3E}">
+        <p14:creationId xmlns:p14="http://schemas.microsoft.com/office/powerpoint/2010/main" val="1788120121"/>
+      </p:ext>
+    </p:extLst>
+  </p:cSld>
+  <p:clrMapOvr>
+    <a:masterClrMapping/>
+  </p:clrMapOvr>
+</p:sld>
+</file>
+
+<file path=ppt/slides/slide14.xml><?xml version="1.0" encoding="utf-8"?>
+<p:sld xmlns:a="http://schemas.openxmlformats.org/drawingml/2006/main" xmlns:r="http://schemas.openxmlformats.org/officeDocument/2006/relationships" xmlns:p="http://schemas.openxmlformats.org/presentationml/2006/main">
+  <p:cSld>
+    <p:spTree>
+      <p:nvGrpSpPr>
+        <p:cNvPr id="1" name=""/>
+        <p:cNvGrpSpPr/>
+        <p:nvPr/>
+      </p:nvGrpSpPr>
+      <p:grpSpPr>
+        <a:xfrm>
+          <a:off x="0" y="0"/>
+          <a:ext cx="0" cy="0"/>
+          <a:chOff x="0" y="0"/>
+          <a:chExt cx="0" cy="0"/>
+        </a:xfrm>
+      </p:grpSpPr>
+      <p:sp>
+        <p:nvSpPr>
+          <p:cNvPr id="2" name="Title 1">
+            <a:extLst>
+              <a:ext uri="{FF2B5EF4-FFF2-40B4-BE49-F238E27FC236}">
+                <a16:creationId xmlns:a16="http://schemas.microsoft.com/office/drawing/2014/main" id="{AA81653A-E7F4-9D2C-70FC-9E7EC492AFC1}"/>
+              </a:ext>
+            </a:extLst>
+          </p:cNvPr>
+          <p:cNvSpPr>
+            <a:spLocks noGrp="1"/>
+          </p:cNvSpPr>
+          <p:nvPr>
+            <p:ph type="title"/>
+          </p:nvPr>
+        </p:nvSpPr>
+        <p:spPr>
+          <a:xfrm>
+            <a:off x="1100596" y="306035"/>
+            <a:ext cx="9083242" cy="715524"/>
+          </a:xfrm>
+        </p:spPr>
+        <p:txBody>
+          <a:bodyPr/>
+          <a:lstStyle/>
+          <a:p>
+            <a:pPr algn="ctr"/>
+            <a:r>
+              <a:rPr lang="en-DO" dirty="0"/>
+              <a:t>Matrix de confusion</a:t>
+            </a:r>
+          </a:p>
+        </p:txBody>
+      </p:sp>
+      <p:pic>
+        <p:nvPicPr>
+          <p:cNvPr id="13" name="Content Placeholder 12">
+            <a:extLst>
+              <a:ext uri="{FF2B5EF4-FFF2-40B4-BE49-F238E27FC236}">
+                <a16:creationId xmlns:a16="http://schemas.microsoft.com/office/drawing/2014/main" id="{8F3D0F17-B7C1-B838-4C90-299418347823}"/>
+              </a:ext>
+            </a:extLst>
+          </p:cNvPr>
+          <p:cNvPicPr>
+            <a:picLocks noGrp="1" noChangeAspect="1"/>
+          </p:cNvPicPr>
+          <p:nvPr>
+            <p:ph idx="1"/>
+          </p:nvPr>
+        </p:nvPicPr>
+        <p:blipFill>
+          <a:blip r:embed="rId2"/>
+          <a:stretch>
+            <a:fillRect/>
+          </a:stretch>
+        </p:blipFill>
+        <p:spPr>
+          <a:xfrm>
+            <a:off x="3229392" y="1296847"/>
+            <a:ext cx="5403273" cy="4573303"/>
+          </a:xfrm>
+        </p:spPr>
+      </p:pic>
+      <p:sp>
+        <p:nvSpPr>
+          <p:cNvPr id="14" name="TextBox 13">
+            <a:extLst>
+              <a:ext uri="{FF2B5EF4-FFF2-40B4-BE49-F238E27FC236}">
+                <a16:creationId xmlns:a16="http://schemas.microsoft.com/office/drawing/2014/main" id="{EA8B15BF-8A27-CDF0-AEC8-EF4A60D775D7}"/>
+              </a:ext>
+            </a:extLst>
+          </p:cNvPr>
+          <p:cNvSpPr txBox="1"/>
+          <p:nvPr/>
+        </p:nvSpPr>
+        <p:spPr>
+          <a:xfrm>
+            <a:off x="814647" y="5870150"/>
+            <a:ext cx="10232764" cy="923330"/>
+          </a:xfrm>
+          <a:prstGeom prst="rect">
+            <a:avLst/>
+          </a:prstGeom>
+          <a:noFill/>
+        </p:spPr>
+        <p:txBody>
+          <a:bodyPr wrap="square" rtlCol="0">
+            <a:spAutoFit/>
+          </a:bodyPr>
+          <a:lstStyle/>
+          <a:p>
+            <a:pPr algn="ctr"/>
+            <a:r>
+              <a:rPr lang="en-DO" dirty="0"/>
+              <a:t>Tenemos 2,417 como verdaderos positivos que predijo correcatmente cuando no fallara la maquinaria, 47 como verdaderos negativos, que mide cuando fallara la maquinaria,  asi como tambien 11 falsos positivos, que dice que hubo un fallo cuando no lo hubo. </a:t>
+            </a:r>
+          </a:p>
+        </p:txBody>
+      </p:sp>
+    </p:spTree>
+    <p:extLst>
+      <p:ext uri="{BB962C8B-B14F-4D97-AF65-F5344CB8AC3E}">
+        <p14:creationId xmlns:p14="http://schemas.microsoft.com/office/powerpoint/2010/main" val="2300192828"/>
+      </p:ext>
+    </p:extLst>
+  </p:cSld>
+  <p:clrMapOvr>
+    <a:masterClrMapping/>
+  </p:clrMapOvr>
+</p:sld>
+</file>
+
+<file path=ppt/slides/slide15.xml><?xml version="1.0" encoding="utf-8"?>
+<p:sld xmlns:a="http://schemas.openxmlformats.org/drawingml/2006/main" xmlns:r="http://schemas.openxmlformats.org/officeDocument/2006/relationships" xmlns:p="http://schemas.openxmlformats.org/presentationml/2006/main">
+  <p:cSld>
+    <p:spTree>
+      <p:nvGrpSpPr>
+        <p:cNvPr id="1" name=""/>
+        <p:cNvGrpSpPr/>
+        <p:nvPr/>
+      </p:nvGrpSpPr>
+      <p:grpSpPr>
+        <a:xfrm>
+          <a:off x="0" y="0"/>
+          <a:ext cx="0" cy="0"/>
+          <a:chOff x="0" y="0"/>
+          <a:chExt cx="0" cy="0"/>
+        </a:xfrm>
+      </p:grpSpPr>
+      <p:sp>
+        <p:nvSpPr>
+          <p:cNvPr id="2" name="Title 1">
+            <a:extLst>
+              <a:ext uri="{FF2B5EF4-FFF2-40B4-BE49-F238E27FC236}">
+                <a16:creationId xmlns:a16="http://schemas.microsoft.com/office/drawing/2014/main" id="{E7D77460-2103-AE18-A25D-60D419810AEB}"/>
+              </a:ext>
+            </a:extLst>
+          </p:cNvPr>
+          <p:cNvSpPr>
+            <a:spLocks noGrp="1"/>
+          </p:cNvSpPr>
+          <p:nvPr>
+            <p:ph type="title"/>
+          </p:nvPr>
+        </p:nvSpPr>
+        <p:spPr/>
+        <p:txBody>
+          <a:bodyPr/>
+          <a:lstStyle/>
+          <a:p>
+            <a:pPr algn="ctr"/>
+            <a:r>
+              <a:rPr lang="en-DO" dirty="0"/>
+              <a:t>Classification report </a:t>
+            </a:r>
+          </a:p>
+        </p:txBody>
+      </p:sp>
+      <p:pic>
+        <p:nvPicPr>
+          <p:cNvPr id="5" name="Content Placeholder 4">
+            <a:extLst>
+              <a:ext uri="{FF2B5EF4-FFF2-40B4-BE49-F238E27FC236}">
+                <a16:creationId xmlns:a16="http://schemas.microsoft.com/office/drawing/2014/main" id="{8E4E8D91-9C47-C949-CC07-61E4830C00FC}"/>
+              </a:ext>
+            </a:extLst>
+          </p:cNvPr>
+          <p:cNvPicPr>
+            <a:picLocks noGrp="1" noChangeAspect="1"/>
+          </p:cNvPicPr>
+          <p:nvPr>
+            <p:ph idx="1"/>
+          </p:nvPr>
+        </p:nvPicPr>
+        <p:blipFill>
+          <a:blip r:embed="rId2"/>
+          <a:stretch>
+            <a:fillRect/>
+          </a:stretch>
+        </p:blipFill>
+        <p:spPr>
+          <a:xfrm>
+            <a:off x="2130054" y="2726575"/>
+            <a:ext cx="7931891" cy="2838782"/>
+          </a:xfrm>
+        </p:spPr>
+      </p:pic>
+    </p:spTree>
+    <p:extLst>
+      <p:ext uri="{BB962C8B-B14F-4D97-AF65-F5344CB8AC3E}">
+        <p14:creationId xmlns:p14="http://schemas.microsoft.com/office/powerpoint/2010/main" val="2507360860"/>
+      </p:ext>
+    </p:extLst>
+  </p:cSld>
+  <p:clrMapOvr>
+    <a:masterClrMapping/>
+  </p:clrMapOvr>
+</p:sld>
+</file>
+
+<file path=ppt/slides/slide16.xml><?xml version="1.0" encoding="utf-8"?>
+<p:sld xmlns:a="http://schemas.openxmlformats.org/drawingml/2006/main" xmlns:r="http://schemas.openxmlformats.org/officeDocument/2006/relationships" xmlns:p="http://schemas.openxmlformats.org/presentationml/2006/main">
+  <p:cSld>
+    <p:spTree>
+      <p:nvGrpSpPr>
+        <p:cNvPr id="1" name=""/>
+        <p:cNvGrpSpPr/>
+        <p:nvPr/>
+      </p:nvGrpSpPr>
+      <p:grpSpPr>
+        <a:xfrm>
+          <a:off x="0" y="0"/>
+          <a:ext cx="0" cy="0"/>
+          <a:chOff x="0" y="0"/>
+          <a:chExt cx="0" cy="0"/>
+        </a:xfrm>
+      </p:grpSpPr>
+      <p:sp>
+        <p:nvSpPr>
+          <p:cNvPr id="2" name="Title 1">
+            <a:extLst>
+              <a:ext uri="{FF2B5EF4-FFF2-40B4-BE49-F238E27FC236}">
+                <a16:creationId xmlns:a16="http://schemas.microsoft.com/office/drawing/2014/main" id="{E42C64AE-FA0F-9D6F-C0C6-48F849A13EB4}"/>
+              </a:ext>
+            </a:extLst>
+          </p:cNvPr>
+          <p:cNvSpPr>
+            <a:spLocks noGrp="1"/>
+          </p:cNvSpPr>
+          <p:nvPr>
+            <p:ph type="title"/>
+          </p:nvPr>
+        </p:nvSpPr>
+        <p:spPr/>
+        <p:txBody>
+          <a:bodyPr>
+            <a:normAutofit fontScale="90000"/>
+          </a:bodyPr>
+          <a:lstStyle/>
+          <a:p>
+            <a:r>
+              <a:rPr lang="en-DO" dirty="0"/>
+              <a:t>Redes neuronales or deep learnig para predecir que tipo de fallo puede tener la maquianria </a:t>
+            </a:r>
+          </a:p>
+        </p:txBody>
+      </p:sp>
+      <p:sp>
+        <p:nvSpPr>
+          <p:cNvPr id="3" name="Content Placeholder 2">
+            <a:extLst>
+              <a:ext uri="{FF2B5EF4-FFF2-40B4-BE49-F238E27FC236}">
+                <a16:creationId xmlns:a16="http://schemas.microsoft.com/office/drawing/2014/main" id="{3E8D5806-E7C8-7049-73A6-DA44D87E2B11}"/>
+              </a:ext>
+            </a:extLst>
+          </p:cNvPr>
+          <p:cNvSpPr>
+            <a:spLocks noGrp="1"/>
+          </p:cNvSpPr>
+          <p:nvPr>
+            <p:ph idx="1"/>
+          </p:nvPr>
+        </p:nvSpPr>
+        <p:spPr>
+          <a:xfrm>
+            <a:off x="1141413" y="2097088"/>
+            <a:ext cx="9905999" cy="3541714"/>
+          </a:xfrm>
+        </p:spPr>
+        <p:txBody>
+          <a:bodyPr/>
+          <a:lstStyle/>
+          <a:p>
+            <a:r>
+              <a:rPr lang="es-ES_tradnl" dirty="0"/>
+              <a:t>Los tipos de falla a predecir son :</a:t>
+            </a:r>
+          </a:p>
+          <a:p>
+            <a:r>
+              <a:rPr lang="es-ES_tradnl" dirty="0"/>
+              <a:t>'No </a:t>
+            </a:r>
+            <a:r>
+              <a:rPr lang="es-ES_tradnl" dirty="0" err="1"/>
+              <a:t>Failure</a:t>
+            </a:r>
+            <a:r>
+              <a:rPr lang="es-ES_tradnl" dirty="0"/>
+              <a:t>', '</a:t>
+            </a:r>
+            <a:r>
+              <a:rPr lang="es-ES_tradnl" dirty="0" err="1"/>
+              <a:t>Heat</a:t>
+            </a:r>
+            <a:r>
+              <a:rPr lang="es-ES_tradnl" dirty="0"/>
+              <a:t> </a:t>
+            </a:r>
+            <a:r>
+              <a:rPr lang="es-ES_tradnl" dirty="0" err="1"/>
+              <a:t>Dissipation</a:t>
+            </a:r>
+            <a:r>
+              <a:rPr lang="es-ES_tradnl" dirty="0"/>
+              <a:t> </a:t>
+            </a:r>
+            <a:r>
+              <a:rPr lang="es-ES_tradnl" dirty="0" err="1"/>
+              <a:t>Failure</a:t>
+            </a:r>
+            <a:r>
+              <a:rPr lang="es-ES_tradnl" dirty="0"/>
+              <a:t>', '</a:t>
+            </a:r>
+            <a:r>
+              <a:rPr lang="es-ES_tradnl" dirty="0" err="1"/>
+              <a:t>Power</a:t>
+            </a:r>
+            <a:r>
+              <a:rPr lang="es-ES_tradnl" dirty="0"/>
+              <a:t> </a:t>
+            </a:r>
+            <a:r>
+              <a:rPr lang="es-ES_tradnl" dirty="0" err="1"/>
+              <a:t>Failure</a:t>
+            </a:r>
+            <a:r>
+              <a:rPr lang="es-ES_tradnl" dirty="0"/>
+              <a:t>','</a:t>
+            </a:r>
+            <a:r>
+              <a:rPr lang="es-ES_tradnl" dirty="0" err="1"/>
+              <a:t>Overstrain</a:t>
+            </a:r>
+            <a:r>
+              <a:rPr lang="es-ES_tradnl" dirty="0"/>
+              <a:t> </a:t>
+            </a:r>
+            <a:r>
+              <a:rPr lang="es-ES_tradnl" dirty="0" err="1"/>
+              <a:t>Failure</a:t>
+            </a:r>
+            <a:r>
+              <a:rPr lang="es-ES_tradnl" dirty="0"/>
+              <a:t>','Tool </a:t>
+            </a:r>
+            <a:r>
+              <a:rPr lang="es-ES_tradnl" dirty="0" err="1"/>
+              <a:t>Wear</a:t>
+            </a:r>
+            <a:r>
+              <a:rPr lang="es-ES_tradnl" dirty="0"/>
+              <a:t> </a:t>
+            </a:r>
+            <a:r>
+              <a:rPr lang="es-ES_tradnl" dirty="0" err="1"/>
+              <a:t>Failure</a:t>
+            </a:r>
+            <a:r>
+              <a:rPr lang="es-ES_tradnl" dirty="0"/>
+              <a:t>','</a:t>
+            </a:r>
+            <a:r>
+              <a:rPr lang="es-ES_tradnl" dirty="0" err="1"/>
+              <a:t>Random</a:t>
+            </a:r>
+            <a:r>
+              <a:rPr lang="es-ES_tradnl" dirty="0"/>
+              <a:t> </a:t>
+            </a:r>
+            <a:r>
+              <a:rPr lang="es-ES_tradnl" dirty="0" err="1"/>
+              <a:t>Failures</a:t>
+            </a:r>
+            <a:r>
+              <a:rPr lang="es-ES_tradnl" dirty="0"/>
+              <a:t>’</a:t>
+            </a:r>
+          </a:p>
+          <a:p>
+            <a:r>
+              <a:rPr lang="es-ES_tradnl" dirty="0"/>
+              <a:t>Los resultados arrojados por la aprendizaje profundo fueron:</a:t>
+            </a:r>
+          </a:p>
+          <a:p>
+            <a:r>
+              <a:rPr lang="es-ES_tradnl" dirty="0"/>
+              <a:t>Score: 0.36489421129226685 </a:t>
+            </a:r>
+          </a:p>
+          <a:p>
+            <a:r>
+              <a:rPr lang="es-ES_tradnl" dirty="0" err="1"/>
+              <a:t>Accuracy</a:t>
+            </a:r>
+            <a:r>
+              <a:rPr lang="es-ES_tradnl" dirty="0"/>
+              <a:t>: 0.9696000218391418</a:t>
+            </a:r>
+          </a:p>
+        </p:txBody>
+      </p:sp>
+    </p:spTree>
+    <p:extLst>
+      <p:ext uri="{BB962C8B-B14F-4D97-AF65-F5344CB8AC3E}">
+        <p14:creationId xmlns:p14="http://schemas.microsoft.com/office/powerpoint/2010/main" val="3860578146"/>
+      </p:ext>
+    </p:extLst>
+  </p:cSld>
+  <p:clrMapOvr>
+    <a:masterClrMapping/>
+  </p:clrMapOvr>
+</p:sld>
+</file>
+
+<file path=ppt/slides/slide17.xml><?xml version="1.0" encoding="utf-8"?>
+<p:sld xmlns:a="http://schemas.openxmlformats.org/drawingml/2006/main" xmlns:r="http://schemas.openxmlformats.org/officeDocument/2006/relationships" xmlns:p="http://schemas.openxmlformats.org/presentationml/2006/main">
+  <p:cSld>
+    <p:spTree>
+      <p:nvGrpSpPr>
+        <p:cNvPr id="1" name=""/>
+        <p:cNvGrpSpPr/>
+        <p:nvPr/>
+      </p:nvGrpSpPr>
+      <p:grpSpPr>
+        <a:xfrm>
+          <a:off x="0" y="0"/>
+          <a:ext cx="0" cy="0"/>
+          <a:chOff x="0" y="0"/>
+          <a:chExt cx="0" cy="0"/>
+        </a:xfrm>
+      </p:grpSpPr>
+      <p:sp>
+        <p:nvSpPr>
+          <p:cNvPr id="2" name="Title 1">
+            <a:extLst>
+              <a:ext uri="{FF2B5EF4-FFF2-40B4-BE49-F238E27FC236}">
+                <a16:creationId xmlns:a16="http://schemas.microsoft.com/office/drawing/2014/main" id="{09E32694-37DF-754C-66A7-7C5D22E121E4}"/>
+              </a:ext>
+            </a:extLst>
+          </p:cNvPr>
+          <p:cNvSpPr>
+            <a:spLocks noGrp="1"/>
+          </p:cNvSpPr>
+          <p:nvPr>
+            <p:ph type="title"/>
+          </p:nvPr>
+        </p:nvSpPr>
+        <p:spPr/>
+        <p:txBody>
+          <a:bodyPr/>
+          <a:lstStyle/>
+          <a:p>
+            <a:pPr algn="ctr"/>
+            <a:r>
+              <a:rPr lang="en-DO" dirty="0"/>
+              <a:t>Loss y accuracy</a:t>
+            </a:r>
+          </a:p>
+        </p:txBody>
+      </p:sp>
+      <p:pic>
+        <p:nvPicPr>
+          <p:cNvPr id="5" name="Content Placeholder 4">
+            <a:extLst>
+              <a:ext uri="{FF2B5EF4-FFF2-40B4-BE49-F238E27FC236}">
+                <a16:creationId xmlns:a16="http://schemas.microsoft.com/office/drawing/2014/main" id="{94B5A88C-82BE-1057-95B1-F0ECD8CD213E}"/>
+              </a:ext>
+            </a:extLst>
+          </p:cNvPr>
+          <p:cNvPicPr>
+            <a:picLocks noGrp="1" noChangeAspect="1"/>
+          </p:cNvPicPr>
+          <p:nvPr>
+            <p:ph idx="1"/>
+          </p:nvPr>
+        </p:nvPicPr>
+        <p:blipFill>
+          <a:blip r:embed="rId2"/>
+          <a:stretch>
+            <a:fillRect/>
+          </a:stretch>
+        </p:blipFill>
+        <p:spPr>
+          <a:xfrm>
+            <a:off x="6225339" y="1947069"/>
+            <a:ext cx="5669593" cy="3519530"/>
+          </a:xfrm>
+        </p:spPr>
+      </p:pic>
+      <p:pic>
+        <p:nvPicPr>
+          <p:cNvPr id="7" name="Picture 6">
+            <a:extLst>
+              <a:ext uri="{FF2B5EF4-FFF2-40B4-BE49-F238E27FC236}">
+                <a16:creationId xmlns:a16="http://schemas.microsoft.com/office/drawing/2014/main" id="{50F348CE-5F36-ABB9-90CE-24F9610CA341}"/>
+              </a:ext>
+            </a:extLst>
+          </p:cNvPr>
+          <p:cNvPicPr>
+            <a:picLocks noChangeAspect="1"/>
+          </p:cNvPicPr>
+          <p:nvPr/>
+        </p:nvPicPr>
+        <p:blipFill>
+          <a:blip r:embed="rId3"/>
+          <a:stretch>
+            <a:fillRect/>
+          </a:stretch>
+        </p:blipFill>
+        <p:spPr>
+          <a:xfrm>
+            <a:off x="728936" y="1947069"/>
+            <a:ext cx="5237727" cy="3519531"/>
+          </a:xfrm>
+          <a:prstGeom prst="rect">
+            <a:avLst/>
+          </a:prstGeom>
+        </p:spPr>
+      </p:pic>
+    </p:spTree>
+    <p:extLst>
+      <p:ext uri="{BB962C8B-B14F-4D97-AF65-F5344CB8AC3E}">
+        <p14:creationId xmlns:p14="http://schemas.microsoft.com/office/powerpoint/2010/main" val="3631039512"/>
       </p:ext>
     </p:extLst>
   </p:cSld>
@@ -12477,7 +13483,7 @@
         <p:spPr>
           <a:xfrm>
             <a:off x="1143000" y="889039"/>
-            <a:ext cx="9905999" cy="3541714"/>
+            <a:ext cx="9905999" cy="5092036"/>
           </a:xfrm>
         </p:spPr>
         <p:txBody>
@@ -12486,34 +13492,25 @@
           <a:p>
             <a:r>
               <a:rPr lang="en-DO" dirty="0"/>
-              <a:t>En este dataset sobre el mantenimiento de una maquinaria.</a:t>
+              <a:t>En este dataset sobre el mantenimiento de una maquinaria, busca predecir cuando si la maquianria tendra un fallo o no y que tipo de falla tendra, basados en datos historicos. Analizamos profundamente como se correlacionan dichos datos y cual modelo puede ayudar a predecir estos eventos. </a:t>
             </a:r>
           </a:p>
           <a:p>
             <a:r>
               <a:rPr lang="en-DO" dirty="0"/>
-              <a:t>No tiene ningun dato faltante.</a:t>
-            </a:r>
-          </a:p>
-          <a:p>
-            <a:r>
-              <a:rPr lang="en-DO" dirty="0"/>
-              <a:t>No tienes datos duplicados.</a:t>
-            </a:r>
-          </a:p>
-          <a:p>
-            <a:r>
-              <a:rPr lang="en-DO" dirty="0"/>
-              <a:t>Este dataset cuenta con 10,000 filas y 10 columnas.</a:t>
-            </a:r>
-          </a:p>
-          <a:p>
-            <a:r>
-              <a:rPr lang="en-DO" dirty="0"/>
-              <a:t>4 variables son numericos, objetos o categoricas son 3 y flotante son 3</a:t>
-            </a:r>
-          </a:p>
-          <a:p>
+              <a:t>La data proviene de: </a:t>
+            </a:r>
+            <a:r>
+              <a:rPr lang="en-US" b="0" i="0" u="none" strike="noStrike" dirty="0">
+                <a:solidFill>
+                  <a:srgbClr val="202124"/>
+                </a:solidFill>
+                <a:effectLst/>
+                <a:latin typeface="Inter"/>
+                <a:hlinkClick r:id="rId2"/>
+              </a:rPr>
+              <a:t>https://archive.ics.uci.edu/ml/datasets/AI4I+2020+Predictive+Maintenance+Dataset</a:t>
+            </a:r>
             <a:endParaRPr lang="en-DO" dirty="0"/>
           </a:p>
           <a:p>
@@ -12535,6 +13532,611 @@
 </file>
 
 <file path=ppt/slides/slide3.xml><?xml version="1.0" encoding="utf-8"?>
+<p:sld xmlns:a="http://schemas.openxmlformats.org/drawingml/2006/main" xmlns:r="http://schemas.openxmlformats.org/officeDocument/2006/relationships" xmlns:p="http://schemas.openxmlformats.org/presentationml/2006/main">
+  <p:cSld>
+    <p:spTree>
+      <p:nvGrpSpPr>
+        <p:cNvPr id="1" name=""/>
+        <p:cNvGrpSpPr/>
+        <p:nvPr/>
+      </p:nvGrpSpPr>
+      <p:grpSpPr>
+        <a:xfrm>
+          <a:off x="0" y="0"/>
+          <a:ext cx="0" cy="0"/>
+          <a:chOff x="0" y="0"/>
+          <a:chExt cx="0" cy="0"/>
+        </a:xfrm>
+      </p:grpSpPr>
+      <p:sp>
+        <p:nvSpPr>
+          <p:cNvPr id="2" name="Title 1">
+            <a:extLst>
+              <a:ext uri="{FF2B5EF4-FFF2-40B4-BE49-F238E27FC236}">
+                <a16:creationId xmlns:a16="http://schemas.microsoft.com/office/drawing/2014/main" id="{71168CA2-942D-CE35-7207-C1C3857C992C}"/>
+              </a:ext>
+            </a:extLst>
+          </p:cNvPr>
+          <p:cNvSpPr>
+            <a:spLocks noGrp="1"/>
+          </p:cNvSpPr>
+          <p:nvPr>
+            <p:ph type="title"/>
+          </p:nvPr>
+        </p:nvSpPr>
+        <p:spPr/>
+        <p:txBody>
+          <a:bodyPr/>
+          <a:lstStyle/>
+          <a:p>
+            <a:r>
+              <a:rPr lang="en-DO" dirty="0"/>
+              <a:t>Contenido del dataset</a:t>
+            </a:r>
+          </a:p>
+        </p:txBody>
+      </p:sp>
+      <p:sp>
+        <p:nvSpPr>
+          <p:cNvPr id="3" name="Content Placeholder 2">
+            <a:extLst>
+              <a:ext uri="{FF2B5EF4-FFF2-40B4-BE49-F238E27FC236}">
+                <a16:creationId xmlns:a16="http://schemas.microsoft.com/office/drawing/2014/main" id="{4CE2C956-55DA-D97D-8305-423AEF1CEBA0}"/>
+              </a:ext>
+            </a:extLst>
+          </p:cNvPr>
+          <p:cNvSpPr>
+            <a:spLocks noGrp="1"/>
+          </p:cNvSpPr>
+          <p:nvPr>
+            <p:ph idx="1"/>
+          </p:nvPr>
+        </p:nvSpPr>
+        <p:spPr>
+          <a:xfrm>
+            <a:off x="1141412" y="2249487"/>
+            <a:ext cx="9905999" cy="4226264"/>
+          </a:xfrm>
+        </p:spPr>
+        <p:txBody>
+          <a:bodyPr>
+            <a:normAutofit/>
+          </a:bodyPr>
+          <a:lstStyle/>
+          <a:p>
+            <a:r>
+              <a:rPr lang="en-DO" sz="2000" dirty="0">
+                <a:latin typeface="Calibri" panose="020F0502020204030204" pitchFamily="34" charset="0"/>
+                <a:cs typeface="Calibri" panose="020F0502020204030204" pitchFamily="34" charset="0"/>
+              </a:rPr>
+              <a:t>No contiene ningun dato faltante.</a:t>
+            </a:r>
+          </a:p>
+          <a:p>
+            <a:r>
+              <a:rPr lang="en-DO" sz="2000" dirty="0">
+                <a:latin typeface="Calibri" panose="020F0502020204030204" pitchFamily="34" charset="0"/>
+                <a:cs typeface="Calibri" panose="020F0502020204030204" pitchFamily="34" charset="0"/>
+              </a:rPr>
+              <a:t>No contiene datos duplicados.</a:t>
+            </a:r>
+          </a:p>
+          <a:p>
+            <a:r>
+              <a:rPr lang="en-DO" sz="2000" dirty="0">
+                <a:latin typeface="Calibri" panose="020F0502020204030204" pitchFamily="34" charset="0"/>
+                <a:cs typeface="Calibri" panose="020F0502020204030204" pitchFamily="34" charset="0"/>
+              </a:rPr>
+              <a:t>Este dataset cuenta con 10,000 filas y 10 columnas.</a:t>
+            </a:r>
+          </a:p>
+          <a:p>
+            <a:r>
+              <a:rPr lang="en-DO" sz="2000" dirty="0">
+                <a:latin typeface="Calibri" panose="020F0502020204030204" pitchFamily="34" charset="0"/>
+                <a:cs typeface="Calibri" panose="020F0502020204030204" pitchFamily="34" charset="0"/>
+              </a:rPr>
+              <a:t>La 4 variables son numericos, objetos o categoricas son 3 y de tipo flotante son 3.</a:t>
+            </a:r>
+          </a:p>
+          <a:p>
+            <a:r>
+              <a:rPr lang="es-ES_tradnl" sz="2000" dirty="0">
+                <a:latin typeface="Calibri" panose="020F0502020204030204" pitchFamily="34" charset="0"/>
+                <a:cs typeface="Calibri" panose="020F0502020204030204" pitchFamily="34" charset="0"/>
+              </a:rPr>
+              <a:t>Solo modificamos los nombres de los datos con un </a:t>
+            </a:r>
+            <a:r>
+              <a:rPr lang="es-ES_tradnl" sz="2000" dirty="0" err="1">
+                <a:latin typeface="Calibri" panose="020F0502020204030204" pitchFamily="34" charset="0"/>
+                <a:cs typeface="Calibri" panose="020F0502020204030204" pitchFamily="34" charset="0"/>
+              </a:rPr>
+              <a:t>rename</a:t>
+            </a:r>
+            <a:r>
+              <a:rPr lang="es-ES_tradnl" sz="2000" dirty="0">
+                <a:latin typeface="Calibri" panose="020F0502020204030204" pitchFamily="34" charset="0"/>
+                <a:cs typeface="Calibri" panose="020F0502020204030204" pitchFamily="34" charset="0"/>
+              </a:rPr>
+              <a:t> p</a:t>
+            </a:r>
+            <a:r>
+              <a:rPr lang="es-ES_tradnl" sz="2000" b="0" i="0" dirty="0">
+                <a:effectLst/>
+                <a:latin typeface="Calibri" panose="020F0502020204030204" pitchFamily="34" charset="0"/>
+                <a:cs typeface="Calibri" panose="020F0502020204030204" pitchFamily="34" charset="0"/>
+              </a:rPr>
+              <a:t>ara hacerlo mas entendible  convertimos los valores de la columna “</a:t>
+            </a:r>
+            <a:r>
+              <a:rPr lang="es-ES_tradnl" sz="2000" b="0" i="0" dirty="0" err="1">
+                <a:effectLst/>
+                <a:latin typeface="Calibri" panose="020F0502020204030204" pitchFamily="34" charset="0"/>
+                <a:cs typeface="Calibri" panose="020F0502020204030204" pitchFamily="34" charset="0"/>
+              </a:rPr>
+              <a:t>Type</a:t>
+            </a:r>
+            <a:r>
+              <a:rPr lang="es-ES_tradnl" sz="2000" b="0" i="0" dirty="0">
+                <a:effectLst/>
+                <a:latin typeface="Calibri" panose="020F0502020204030204" pitchFamily="34" charset="0"/>
+                <a:cs typeface="Calibri" panose="020F0502020204030204" pitchFamily="34" charset="0"/>
+              </a:rPr>
+              <a:t>” que se refiere al tipo de maquinaria, de L a Low, M a Medium y High </a:t>
+            </a:r>
+            <a:r>
+              <a:rPr lang="es-ES_tradnl" sz="2000" b="0" i="0" dirty="0" err="1">
+                <a:effectLst/>
+                <a:latin typeface="Calibri" panose="020F0502020204030204" pitchFamily="34" charset="0"/>
+                <a:cs typeface="Calibri" panose="020F0502020204030204" pitchFamily="34" charset="0"/>
+              </a:rPr>
+              <a:t>Quality</a:t>
+            </a:r>
+            <a:r>
+              <a:rPr lang="es-ES_tradnl" sz="2000" b="0" i="0" dirty="0">
+                <a:effectLst/>
+                <a:latin typeface="Calibri" panose="020F0502020204030204" pitchFamily="34" charset="0"/>
+                <a:cs typeface="Calibri" panose="020F0502020204030204" pitchFamily="34" charset="0"/>
+              </a:rPr>
+              <a:t>.</a:t>
+            </a:r>
+          </a:p>
+          <a:p>
+            <a:r>
+              <a:rPr lang="en-DO" sz="2000" dirty="0">
+                <a:latin typeface="Calibri" panose="020F0502020204030204" pitchFamily="34" charset="0"/>
+                <a:cs typeface="Calibri" panose="020F0502020204030204" pitchFamily="34" charset="0"/>
+              </a:rPr>
+              <a:t>Este dataset contiene dos variable objetivos, que son target que dice cuando existe un fallo o no. Seguido, de la variable del tipo de fallo. </a:t>
+            </a:r>
+          </a:p>
+          <a:p>
+            <a:endParaRPr lang="en-DO" dirty="0"/>
+          </a:p>
+        </p:txBody>
+      </p:sp>
+    </p:spTree>
+    <p:extLst>
+      <p:ext uri="{BB962C8B-B14F-4D97-AF65-F5344CB8AC3E}">
+        <p14:creationId xmlns:p14="http://schemas.microsoft.com/office/powerpoint/2010/main" val="4063419143"/>
+      </p:ext>
+    </p:extLst>
+  </p:cSld>
+  <p:clrMapOvr>
+    <a:masterClrMapping/>
+  </p:clrMapOvr>
+</p:sld>
+</file>
+
+<file path=ppt/slides/slide4.xml><?xml version="1.0" encoding="utf-8"?>
+<p:sld xmlns:a="http://schemas.openxmlformats.org/drawingml/2006/main" xmlns:r="http://schemas.openxmlformats.org/officeDocument/2006/relationships" xmlns:p="http://schemas.openxmlformats.org/presentationml/2006/main">
+  <p:cSld>
+    <p:spTree>
+      <p:nvGrpSpPr>
+        <p:cNvPr id="1" name=""/>
+        <p:cNvGrpSpPr/>
+        <p:nvPr/>
+      </p:nvGrpSpPr>
+      <p:grpSpPr>
+        <a:xfrm>
+          <a:off x="0" y="0"/>
+          <a:ext cx="0" cy="0"/>
+          <a:chOff x="0" y="0"/>
+          <a:chExt cx="0" cy="0"/>
+        </a:xfrm>
+      </p:grpSpPr>
+      <p:sp>
+        <p:nvSpPr>
+          <p:cNvPr id="2" name="Title 1">
+            <a:extLst>
+              <a:ext uri="{FF2B5EF4-FFF2-40B4-BE49-F238E27FC236}">
+                <a16:creationId xmlns:a16="http://schemas.microsoft.com/office/drawing/2014/main" id="{C0AAF359-E78C-8364-CDA0-41213E2A4D28}"/>
+              </a:ext>
+            </a:extLst>
+          </p:cNvPr>
+          <p:cNvSpPr>
+            <a:spLocks noGrp="1"/>
+          </p:cNvSpPr>
+          <p:nvPr>
+            <p:ph type="title"/>
+          </p:nvPr>
+        </p:nvSpPr>
+        <p:spPr>
+          <a:xfrm>
+            <a:off x="1341622" y="183803"/>
+            <a:ext cx="9905998" cy="730597"/>
+          </a:xfrm>
+        </p:spPr>
+        <p:txBody>
+          <a:bodyPr/>
+          <a:lstStyle/>
+          <a:p>
+            <a:r>
+              <a:rPr lang="en-DO" dirty="0"/>
+              <a:t>Diccionario</a:t>
+            </a:r>
+          </a:p>
+        </p:txBody>
+      </p:sp>
+      <p:sp>
+        <p:nvSpPr>
+          <p:cNvPr id="3" name="Content Placeholder 2">
+            <a:extLst>
+              <a:ext uri="{FF2B5EF4-FFF2-40B4-BE49-F238E27FC236}">
+                <a16:creationId xmlns:a16="http://schemas.microsoft.com/office/drawing/2014/main" id="{A9FDA5DE-F7F8-CFC2-F63A-F47E4F96ABBB}"/>
+              </a:ext>
+            </a:extLst>
+          </p:cNvPr>
+          <p:cNvSpPr>
+            <a:spLocks noGrp="1"/>
+          </p:cNvSpPr>
+          <p:nvPr>
+            <p:ph idx="1"/>
+          </p:nvPr>
+        </p:nvSpPr>
+        <p:spPr>
+          <a:xfrm>
+            <a:off x="1144589" y="914400"/>
+            <a:ext cx="10103031" cy="5396459"/>
+          </a:xfrm>
+        </p:spPr>
+        <p:txBody>
+          <a:bodyPr>
+            <a:normAutofit fontScale="85000" lnSpcReduction="10000"/>
+          </a:bodyPr>
+          <a:lstStyle/>
+          <a:p>
+            <a:r>
+              <a:rPr lang="en-DO" sz="1800" b="1" kern="100" dirty="0">
+                <a:effectLst/>
+                <a:latin typeface="Calibri" panose="020F0502020204030204" pitchFamily="34" charset="0"/>
+                <a:ea typeface="Calibri" panose="020F0502020204030204" pitchFamily="34" charset="0"/>
+                <a:cs typeface="Times New Roman" panose="02020603050405020304" pitchFamily="18" charset="0"/>
+              </a:rPr>
+              <a:t>ID del Producto:</a:t>
+            </a:r>
+          </a:p>
+          <a:p>
+            <a:r>
+              <a:rPr lang="en-DO" sz="1800" kern="100" dirty="0">
+                <a:effectLst/>
+                <a:latin typeface="Calibri" panose="020F0502020204030204" pitchFamily="34" charset="0"/>
+                <a:ea typeface="Calibri" panose="020F0502020204030204" pitchFamily="34" charset="0"/>
+                <a:cs typeface="Times New Roman" panose="02020603050405020304" pitchFamily="18" charset="0"/>
+              </a:rPr>
+              <a:t>Consta de una letra L, M o H para baja (50 % de todos los productos), media (30 %) y alta (20 %) como variantes de calidad del producto y un número de serie específico de la variante temperatura del aire [K]: generado usando un proceso de caminata aleatoria luego se normalizó a una desviación estándar de 2 K alrededor de 300 K.</a:t>
+            </a:r>
+          </a:p>
+          <a:p>
+            <a:r>
+              <a:rPr lang="en-DO" sz="1800" b="1" kern="100" dirty="0">
+                <a:effectLst/>
+                <a:latin typeface="Calibri" panose="020F0502020204030204" pitchFamily="34" charset="0"/>
+                <a:ea typeface="Calibri" panose="020F0502020204030204" pitchFamily="34" charset="0"/>
+                <a:cs typeface="Times New Roman" panose="02020603050405020304" pitchFamily="18" charset="0"/>
+              </a:rPr>
+              <a:t>Temperatura de proceso [K]:</a:t>
+            </a:r>
+          </a:p>
+          <a:p>
+            <a:r>
+              <a:rPr lang="en-DO" sz="1800" kern="100" dirty="0">
+                <a:effectLst/>
+                <a:latin typeface="Calibri" panose="020F0502020204030204" pitchFamily="34" charset="0"/>
+                <a:ea typeface="Calibri" panose="020F0502020204030204" pitchFamily="34" charset="0"/>
+                <a:cs typeface="Times New Roman" panose="02020603050405020304" pitchFamily="18" charset="0"/>
+              </a:rPr>
+              <a:t>Generado usando un proceso de paseo aleatorio normalizado a una desviación estándar de 1 K, sumado a la temperatura del aire más 10 </a:t>
+            </a:r>
+          </a:p>
+          <a:p>
+            <a:r>
+              <a:rPr lang="en-DO" sz="1800" b="1" kern="100" dirty="0">
+                <a:effectLst/>
+                <a:latin typeface="Calibri" panose="020F0502020204030204" pitchFamily="34" charset="0"/>
+                <a:ea typeface="Calibri" panose="020F0502020204030204" pitchFamily="34" charset="0"/>
+                <a:cs typeface="Times New Roman" panose="02020603050405020304" pitchFamily="18" charset="0"/>
+              </a:rPr>
+              <a:t>Velocidad de rotación [rpm]:</a:t>
+            </a:r>
+          </a:p>
+          <a:p>
+            <a:r>
+              <a:rPr lang="en-DO" sz="1800" kern="100" dirty="0">
+                <a:effectLst/>
+                <a:latin typeface="Calibri" panose="020F0502020204030204" pitchFamily="34" charset="0"/>
+                <a:ea typeface="Calibri" panose="020F0502020204030204" pitchFamily="34" charset="0"/>
+                <a:cs typeface="Times New Roman" panose="02020603050405020304" pitchFamily="18" charset="0"/>
+              </a:rPr>
+              <a:t>Calculado a partir de una potencia de 2860 W, superpuesto con un par de ruido distribuido normalmente [Nm]: los valores de par se distribuyen normalmente alrededor de 40 Nm con un Ïƒ = 10 Nm y sin valores negativos. desgaste de herramienta [min]: Las variantes de calidad H/M/L añaden 5/3/2 minutos de desgaste de herramienta a la herramienta utilizada en el proceso. y una etiqueta de "fallo de la máquina" que indica si la máquina ha fallado en este punto de datos en particular para cualquiera de los siguientes modos de falla.</a:t>
+            </a:r>
+          </a:p>
+          <a:p>
+            <a:r>
+              <a:rPr lang="en-DO" sz="1800" b="1" kern="100" dirty="0">
+                <a:effectLst/>
+                <a:latin typeface="Calibri" panose="020F0502020204030204" pitchFamily="34" charset="0"/>
+                <a:ea typeface="Calibri" panose="020F0502020204030204" pitchFamily="34" charset="0"/>
+                <a:cs typeface="Times New Roman" panose="02020603050405020304" pitchFamily="18" charset="0"/>
+              </a:rPr>
+              <a:t>La falla de la máquina consta de cinco modos de falla independientes, falla por desgaste de la herramienta (TWF):</a:t>
+            </a:r>
+          </a:p>
+          <a:p>
+            <a:r>
+              <a:rPr lang="en-DO" sz="1800" kern="100" dirty="0">
+                <a:effectLst/>
+                <a:latin typeface="Calibri" panose="020F0502020204030204" pitchFamily="34" charset="0"/>
+                <a:ea typeface="Calibri" panose="020F0502020204030204" pitchFamily="34" charset="0"/>
+                <a:cs typeface="Times New Roman" panose="02020603050405020304" pitchFamily="18" charset="0"/>
+              </a:rPr>
+              <a:t>La herramienta se reemplazará si falla en un tiempo de uso de la herramienta seleccionado al azar entre 200 y 240 minutos (120 veces en nuestro conjunto de datos). En este momento, la herramienta se reemplaza 69 veces y falla 51 veces (asignadas aleatoriamente).</a:t>
+            </a:r>
+          </a:p>
+        </p:txBody>
+      </p:sp>
+    </p:spTree>
+    <p:extLst>
+      <p:ext uri="{BB962C8B-B14F-4D97-AF65-F5344CB8AC3E}">
+        <p14:creationId xmlns:p14="http://schemas.microsoft.com/office/powerpoint/2010/main" val="2649244104"/>
+      </p:ext>
+    </p:extLst>
+  </p:cSld>
+  <p:clrMapOvr>
+    <a:masterClrMapping/>
+  </p:clrMapOvr>
+</p:sld>
+</file>
+
+<file path=ppt/slides/slide5.xml><?xml version="1.0" encoding="utf-8"?>
+<p:sld xmlns:a="http://schemas.openxmlformats.org/drawingml/2006/main" xmlns:r="http://schemas.openxmlformats.org/officeDocument/2006/relationships" xmlns:p="http://schemas.openxmlformats.org/presentationml/2006/main">
+  <p:cSld>
+    <p:spTree>
+      <p:nvGrpSpPr>
+        <p:cNvPr id="1" name=""/>
+        <p:cNvGrpSpPr/>
+        <p:nvPr/>
+      </p:nvGrpSpPr>
+      <p:grpSpPr>
+        <a:xfrm>
+          <a:off x="0" y="0"/>
+          <a:ext cx="0" cy="0"/>
+          <a:chOff x="0" y="0"/>
+          <a:chExt cx="0" cy="0"/>
+        </a:xfrm>
+      </p:grpSpPr>
+      <p:sp>
+        <p:nvSpPr>
+          <p:cNvPr id="3" name="Content Placeholder 2">
+            <a:extLst>
+              <a:ext uri="{FF2B5EF4-FFF2-40B4-BE49-F238E27FC236}">
+                <a16:creationId xmlns:a16="http://schemas.microsoft.com/office/drawing/2014/main" id="{69956B51-C068-C967-433B-9A3BE29234E2}"/>
+              </a:ext>
+            </a:extLst>
+          </p:cNvPr>
+          <p:cNvSpPr>
+            <a:spLocks noGrp="1"/>
+          </p:cNvSpPr>
+          <p:nvPr>
+            <p:ph idx="1"/>
+          </p:nvPr>
+        </p:nvSpPr>
+        <p:spPr>
+          <a:xfrm>
+            <a:off x="1143000" y="525618"/>
+            <a:ext cx="9905999" cy="5830212"/>
+          </a:xfrm>
+        </p:spPr>
+        <p:txBody>
+          <a:bodyPr>
+            <a:normAutofit lnSpcReduction="10000"/>
+          </a:bodyPr>
+          <a:lstStyle/>
+          <a:p>
+            <a:r>
+              <a:rPr lang="en-DO" sz="1800" b="1" kern="100" dirty="0">
+                <a:effectLst/>
+                <a:latin typeface="Calibri" panose="020F0502020204030204" pitchFamily="34" charset="0"/>
+                <a:ea typeface="Calibri" panose="020F0502020204030204" pitchFamily="34" charset="0"/>
+                <a:cs typeface="Times New Roman" panose="02020603050405020304" pitchFamily="18" charset="0"/>
+              </a:rPr>
+              <a:t>Fallo de alimentación (PWF):</a:t>
+            </a:r>
+          </a:p>
+          <a:p>
+            <a:r>
+              <a:rPr lang="en-DO" sz="1800" kern="100" dirty="0">
+                <a:effectLst/>
+                <a:latin typeface="Calibri" panose="020F0502020204030204" pitchFamily="34" charset="0"/>
+                <a:ea typeface="Calibri" panose="020F0502020204030204" pitchFamily="34" charset="0"/>
+                <a:cs typeface="Times New Roman" panose="02020603050405020304" pitchFamily="18" charset="0"/>
+              </a:rPr>
+              <a:t>El producto del par y la velocidad de rotación (en rad/s) es igual a la potencia requerida para el proceso.</a:t>
+            </a:r>
+          </a:p>
+          <a:p>
+            <a:r>
+              <a:rPr lang="en-DO" sz="1800" kern="100" dirty="0">
+                <a:effectLst/>
+                <a:latin typeface="Calibri" panose="020F0502020204030204" pitchFamily="34" charset="0"/>
+                <a:ea typeface="Calibri" panose="020F0502020204030204" pitchFamily="34" charset="0"/>
+                <a:cs typeface="Times New Roman" panose="02020603050405020304" pitchFamily="18" charset="0"/>
+              </a:rPr>
+              <a:t>Si esta potencia está por debajo de 3500 W o por encima de 9000 W, el proceso falla, que es el caso 95 veces en nuestro conjunto de datos.</a:t>
+            </a:r>
+          </a:p>
+          <a:p>
+            <a:r>
+              <a:rPr lang="en-DO" sz="1800" b="1" kern="100" dirty="0">
+                <a:effectLst/>
+                <a:latin typeface="Calibri" panose="020F0502020204030204" pitchFamily="34" charset="0"/>
+                <a:ea typeface="Calibri" panose="020F0502020204030204" pitchFamily="34" charset="0"/>
+                <a:cs typeface="Times New Roman" panose="02020603050405020304" pitchFamily="18" charset="0"/>
+              </a:rPr>
+              <a:t>Fallo por sobreesfuerzo (OSF):</a:t>
+            </a:r>
+          </a:p>
+          <a:p>
+            <a:r>
+              <a:rPr lang="en-DO" sz="1800" kern="100" dirty="0">
+                <a:effectLst/>
+                <a:latin typeface="Calibri" panose="020F0502020204030204" pitchFamily="34" charset="0"/>
+                <a:ea typeface="Calibri" panose="020F0502020204030204" pitchFamily="34" charset="0"/>
+                <a:cs typeface="Times New Roman" panose="02020603050405020304" pitchFamily="18" charset="0"/>
+              </a:rPr>
+              <a:t>Si el producto del desgaste de la herramienta y el par supera los 11 000 minNm para la variante de producto L (12 000 M, 13 000 H), el proceso falla debido a una sobreesfuerzo. Esto es cierto para 98 puntos de datos.</a:t>
+            </a:r>
+          </a:p>
+          <a:p>
+            <a:r>
+              <a:rPr lang="en-DO" sz="1800" b="1" kern="100" dirty="0">
+                <a:effectLst/>
+                <a:latin typeface="Calibri" panose="020F0502020204030204" pitchFamily="34" charset="0"/>
+                <a:ea typeface="Calibri" panose="020F0502020204030204" pitchFamily="34" charset="0"/>
+                <a:cs typeface="Times New Roman" panose="02020603050405020304" pitchFamily="18" charset="0"/>
+              </a:rPr>
+              <a:t>Fallos aleatorios (RNF):</a:t>
+            </a:r>
+          </a:p>
+          <a:p>
+            <a:r>
+              <a:rPr lang="en-DO" sz="1800" kern="100" dirty="0">
+                <a:effectLst/>
+                <a:latin typeface="Calibri" panose="020F0502020204030204" pitchFamily="34" charset="0"/>
+                <a:ea typeface="Calibri" panose="020F0502020204030204" pitchFamily="34" charset="0"/>
+                <a:cs typeface="Times New Roman" panose="02020603050405020304" pitchFamily="18" charset="0"/>
+              </a:rPr>
+              <a:t>Cada proceso tiene una probabilidad del 0,1 % de fallar independientemente de sus parámetros de proceso. Este es el caso de solo 5 puntos de datos, menos de lo que cabría esperar para 10 000 puntos de datos en nuestro conjunto de datos.</a:t>
+            </a:r>
+          </a:p>
+          <a:p>
+            <a:r>
+              <a:rPr lang="en-DO" sz="1800" kern="100" dirty="0">
+                <a:effectLst/>
+                <a:latin typeface="Calibri" panose="020F0502020204030204" pitchFamily="34" charset="0"/>
+                <a:ea typeface="Calibri" panose="020F0502020204030204" pitchFamily="34" charset="0"/>
+                <a:cs typeface="Times New Roman" panose="02020603050405020304" pitchFamily="18" charset="0"/>
+              </a:rPr>
+              <a:t>Si al menos uno de los modos de falla anteriores es verdadero, el proceso falla y la etiqueta de "falla de la máquina" se establece en 1.</a:t>
+            </a:r>
+          </a:p>
+          <a:p>
+            <a:endParaRPr lang="en-DO" sz="1800" kern="100" dirty="0">
+              <a:effectLst/>
+              <a:latin typeface="Calibri" panose="020F0502020204030204" pitchFamily="34" charset="0"/>
+              <a:ea typeface="Calibri" panose="020F0502020204030204" pitchFamily="34" charset="0"/>
+              <a:cs typeface="Times New Roman" panose="02020603050405020304" pitchFamily="18" charset="0"/>
+            </a:endParaRPr>
+          </a:p>
+          <a:p>
+            <a:pPr marL="0" indent="0">
+              <a:buNone/>
+            </a:pPr>
+            <a:endParaRPr lang="en-DO" dirty="0"/>
+          </a:p>
+        </p:txBody>
+      </p:sp>
+    </p:spTree>
+    <p:extLst>
+      <p:ext uri="{BB962C8B-B14F-4D97-AF65-F5344CB8AC3E}">
+        <p14:creationId xmlns:p14="http://schemas.microsoft.com/office/powerpoint/2010/main" val="67528317"/>
+      </p:ext>
+    </p:extLst>
+  </p:cSld>
+  <p:clrMapOvr>
+    <a:masterClrMapping/>
+  </p:clrMapOvr>
+</p:sld>
+</file>
+
+<file path=ppt/slides/slide6.xml><?xml version="1.0" encoding="utf-8"?>
+<p:sld xmlns:a="http://schemas.openxmlformats.org/drawingml/2006/main" xmlns:r="http://schemas.openxmlformats.org/officeDocument/2006/relationships" xmlns:p="http://schemas.openxmlformats.org/presentationml/2006/main">
+  <p:cSld>
+    <p:spTree>
+      <p:nvGrpSpPr>
+        <p:cNvPr id="1" name=""/>
+        <p:cNvGrpSpPr/>
+        <p:nvPr/>
+      </p:nvGrpSpPr>
+      <p:grpSpPr>
+        <a:xfrm>
+          <a:off x="0" y="0"/>
+          <a:ext cx="0" cy="0"/>
+          <a:chOff x="0" y="0"/>
+          <a:chExt cx="0" cy="0"/>
+        </a:xfrm>
+      </p:grpSpPr>
+      <p:sp>
+        <p:nvSpPr>
+          <p:cNvPr id="2" name="Title 1">
+            <a:extLst>
+              <a:ext uri="{FF2B5EF4-FFF2-40B4-BE49-F238E27FC236}">
+                <a16:creationId xmlns:a16="http://schemas.microsoft.com/office/drawing/2014/main" id="{3B2B081E-344F-1716-DBB0-E9B3B24939C1}"/>
+              </a:ext>
+            </a:extLst>
+          </p:cNvPr>
+          <p:cNvSpPr>
+            <a:spLocks noGrp="1"/>
+          </p:cNvSpPr>
+          <p:nvPr>
+            <p:ph type="title"/>
+          </p:nvPr>
+        </p:nvSpPr>
+        <p:spPr>
+          <a:xfrm>
+            <a:off x="1143001" y="2689715"/>
+            <a:ext cx="9905998" cy="1478570"/>
+          </a:xfrm>
+        </p:spPr>
+        <p:txBody>
+          <a:bodyPr>
+            <a:normAutofit/>
+          </a:bodyPr>
+          <a:lstStyle/>
+          <a:p>
+            <a:pPr algn="ctr"/>
+            <a:r>
+              <a:rPr lang="es-ES_tradnl" sz="4000" dirty="0"/>
+              <a:t>Análisis de la data</a:t>
+            </a:r>
+          </a:p>
+        </p:txBody>
+      </p:sp>
+    </p:spTree>
+    <p:extLst>
+      <p:ext uri="{BB962C8B-B14F-4D97-AF65-F5344CB8AC3E}">
+        <p14:creationId xmlns:p14="http://schemas.microsoft.com/office/powerpoint/2010/main" val="2466921431"/>
+      </p:ext>
+    </p:extLst>
+  </p:cSld>
+  <p:clrMapOvr>
+    <a:masterClrMapping/>
+  </p:clrMapOvr>
+</p:sld>
+</file>
+
+<file path=ppt/slides/slide7.xml><?xml version="1.0" encoding="utf-8"?>
 <p:sld xmlns:a="http://schemas.openxmlformats.org/drawingml/2006/main" xmlns:r="http://schemas.openxmlformats.org/officeDocument/2006/relationships" xmlns:p="http://schemas.openxmlformats.org/presentationml/2006/main">
   <p:cSld>
     <p:spTree>
@@ -12630,8 +14232,8 @@
         </p:nvSpPr>
         <p:spPr>
           <a:xfrm>
-            <a:off x="3296549" y="6024943"/>
-            <a:ext cx="5584542" cy="646331"/>
+            <a:off x="1755110" y="6024943"/>
+            <a:ext cx="8667437" cy="646331"/>
           </a:xfrm>
           <a:prstGeom prst="rect">
             <a:avLst/>
@@ -12646,15 +14248,15 @@
           <a:p>
             <a:pPr algn="ctr"/>
             <a:r>
-              <a:rPr lang="en-DO" dirty="0"/>
-              <a:t>Cuando existe una falla en el que la falla mas comun es la</a:t>
+              <a:rPr lang="es-ES_tradnl" dirty="0"/>
+              <a:t>Basado en un filtro, de cuando ya existe una falla. Cual es la mas común ? En este caso es la</a:t>
             </a:r>
           </a:p>
           <a:p>
             <a:pPr algn="ctr"/>
             <a:r>
-              <a:rPr lang="en-DO" dirty="0"/>
-              <a:t>disipasion de calor, seguido por la falla de encendido.</a:t>
+              <a:rPr lang="es-ES_tradnl" dirty="0"/>
+              <a:t>disipación de calor, seguido por la falla de encendido.</a:t>
             </a:r>
           </a:p>
         </p:txBody>
@@ -12672,7 +14274,7 @@
 </p:sld>
 </file>
 
-<file path=ppt/slides/slide4.xml><?xml version="1.0" encoding="utf-8"?>
+<file path=ppt/slides/slide8.xml><?xml version="1.0" encoding="utf-8"?>
 <p:sld xmlns:a="http://schemas.openxmlformats.org/drawingml/2006/main" xmlns:r="http://schemas.openxmlformats.org/officeDocument/2006/relationships" xmlns:p="http://schemas.openxmlformats.org/presentationml/2006/main">
   <p:cSld>
     <p:spTree>
@@ -12713,11 +14315,76 @@
         </p:blipFill>
         <p:spPr>
           <a:xfrm>
-            <a:off x="3265733" y="1170273"/>
-            <a:ext cx="5660534" cy="4517453"/>
+            <a:off x="514815" y="666513"/>
+            <a:ext cx="5581186" cy="4454128"/>
           </a:xfrm>
         </p:spPr>
       </p:pic>
+      <p:pic>
+        <p:nvPicPr>
+          <p:cNvPr id="3" name="Picture 2">
+            <a:extLst>
+              <a:ext uri="{FF2B5EF4-FFF2-40B4-BE49-F238E27FC236}">
+                <a16:creationId xmlns:a16="http://schemas.microsoft.com/office/drawing/2014/main" id="{EC661A11-AE1D-3E73-A27E-06BE7FF6062E}"/>
+              </a:ext>
+            </a:extLst>
+          </p:cNvPr>
+          <p:cNvPicPr>
+            <a:picLocks noChangeAspect="1"/>
+          </p:cNvPicPr>
+          <p:nvPr/>
+        </p:nvPicPr>
+        <p:blipFill>
+          <a:blip r:embed="rId3"/>
+          <a:stretch>
+            <a:fillRect/>
+          </a:stretch>
+        </p:blipFill>
+        <p:spPr>
+          <a:xfrm>
+            <a:off x="6665600" y="666513"/>
+            <a:ext cx="4629833" cy="4454128"/>
+          </a:xfrm>
+          <a:prstGeom prst="rect">
+            <a:avLst/>
+          </a:prstGeom>
+        </p:spPr>
+      </p:pic>
+      <p:sp>
+        <p:nvSpPr>
+          <p:cNvPr id="4" name="TextBox 3">
+            <a:extLst>
+              <a:ext uri="{FF2B5EF4-FFF2-40B4-BE49-F238E27FC236}">
+                <a16:creationId xmlns:a16="http://schemas.microsoft.com/office/drawing/2014/main" id="{D062FB45-94B1-A611-809F-384962AE7789}"/>
+              </a:ext>
+            </a:extLst>
+          </p:cNvPr>
+          <p:cNvSpPr txBox="1"/>
+          <p:nvPr/>
+        </p:nvSpPr>
+        <p:spPr>
+          <a:xfrm>
+            <a:off x="2928851" y="5480009"/>
+            <a:ext cx="6334298" cy="1200329"/>
+          </a:xfrm>
+          <a:prstGeom prst="rect">
+            <a:avLst/>
+          </a:prstGeom>
+          <a:noFill/>
+        </p:spPr>
+        <p:txBody>
+          <a:bodyPr wrap="square" rtlCol="0">
+            <a:spAutoFit/>
+          </a:bodyPr>
+          <a:lstStyle/>
+          <a:p>
+            <a:r>
+              <a:rPr lang="es-ES_tradnl" dirty="0"/>
+              <a:t>Consta de una letra Low, Medium o High para baja (50 % de todos los productos), media (30 %) y alta (20 %) como variantes de calidad del producto o maquinaria, en este caso vemos que por la cantidad de producto la calidad baja tiende mas a fallar. </a:t>
+            </a:r>
+          </a:p>
+        </p:txBody>
+      </p:sp>
     </p:spTree>
     <p:extLst>
       <p:ext uri="{BB962C8B-B14F-4D97-AF65-F5344CB8AC3E}">
@@ -12731,7 +14398,7 @@
 </p:sld>
 </file>
 
-<file path=ppt/slides/slide5.xml><?xml version="1.0" encoding="utf-8"?>
+<file path=ppt/slides/slide9.xml><?xml version="1.0" encoding="utf-8"?>
 <p:sld xmlns:a="http://schemas.openxmlformats.org/drawingml/2006/main" xmlns:r="http://schemas.openxmlformats.org/officeDocument/2006/relationships" xmlns:p="http://schemas.openxmlformats.org/presentationml/2006/main">
   <p:cSld>
     <p:spTree>
@@ -12772,154 +14439,82 @@
         </p:blipFill>
         <p:spPr>
           <a:xfrm>
-            <a:off x="3234575" y="1340933"/>
-            <a:ext cx="5722849" cy="4176133"/>
+            <a:off x="2621629" y="197862"/>
+            <a:ext cx="6948742" cy="5070704"/>
           </a:xfrm>
         </p:spPr>
       </p:pic>
-    </p:spTree>
-    <p:extLst>
-      <p:ext uri="{BB962C8B-B14F-4D97-AF65-F5344CB8AC3E}">
-        <p14:creationId xmlns:p14="http://schemas.microsoft.com/office/powerpoint/2010/main" val="3839753953"/>
-      </p:ext>
-    </p:extLst>
-  </p:cSld>
-  <p:clrMapOvr>
-    <a:masterClrMapping/>
-  </p:clrMapOvr>
-</p:sld>
-</file>
-
-<file path=ppt/slides/slide6.xml><?xml version="1.0" encoding="utf-8"?>
-<p:sld xmlns:a="http://schemas.openxmlformats.org/drawingml/2006/main" xmlns:r="http://schemas.openxmlformats.org/officeDocument/2006/relationships" xmlns:p="http://schemas.openxmlformats.org/presentationml/2006/main">
-  <p:cSld>
-    <p:spTree>
-      <p:nvGrpSpPr>
-        <p:cNvPr id="1" name=""/>
-        <p:cNvGrpSpPr/>
-        <p:nvPr/>
-      </p:nvGrpSpPr>
-      <p:grpSpPr>
-        <a:xfrm>
-          <a:off x="0" y="0"/>
-          <a:ext cx="0" cy="0"/>
-          <a:chOff x="0" y="0"/>
-          <a:chExt cx="0" cy="0"/>
-        </a:xfrm>
-      </p:grpSpPr>
-      <p:pic>
-        <p:nvPicPr>
-          <p:cNvPr id="5" name="Content Placeholder 4">
+      <p:sp>
+        <p:nvSpPr>
+          <p:cNvPr id="2" name="TextBox 1">
             <a:extLst>
               <a:ext uri="{FF2B5EF4-FFF2-40B4-BE49-F238E27FC236}">
-                <a16:creationId xmlns:a16="http://schemas.microsoft.com/office/drawing/2014/main" id="{FEB01E10-E80C-E849-169C-17B3920232CD}"/>
+                <a16:creationId xmlns:a16="http://schemas.microsoft.com/office/drawing/2014/main" id="{C31674EA-0A7A-A8E5-7198-5D365F72A536}"/>
               </a:ext>
             </a:extLst>
           </p:cNvPr>
-          <p:cNvPicPr>
-            <a:picLocks noGrp="1" noChangeAspect="1"/>
-          </p:cNvPicPr>
-          <p:nvPr>
-            <p:ph idx="1"/>
-          </p:nvPr>
-        </p:nvPicPr>
-        <p:blipFill>
-          <a:blip r:embed="rId2"/>
-          <a:stretch>
-            <a:fillRect/>
-          </a:stretch>
-        </p:blipFill>
+          <p:cNvSpPr txBox="1"/>
+          <p:nvPr/>
+        </p:nvSpPr>
         <p:spPr>
           <a:xfrm>
-            <a:off x="3552267" y="1020933"/>
-            <a:ext cx="5087465" cy="4816134"/>
+            <a:off x="1843790" y="5403478"/>
+            <a:ext cx="9263921" cy="738664"/>
           </a:xfrm>
+          <a:prstGeom prst="rect">
+            <a:avLst/>
+          </a:prstGeom>
+          <a:noFill/>
         </p:spPr>
-      </p:pic>
-    </p:spTree>
-    <p:extLst>
-      <p:ext uri="{BB962C8B-B14F-4D97-AF65-F5344CB8AC3E}">
-        <p14:creationId xmlns:p14="http://schemas.microsoft.com/office/powerpoint/2010/main" val="1980939686"/>
-      </p:ext>
-    </p:extLst>
-  </p:cSld>
-  <p:clrMapOvr>
-    <a:masterClrMapping/>
-  </p:clrMapOvr>
-</p:sld>
-</file>
-
-<file path=ppt/slides/slide7.xml><?xml version="1.0" encoding="utf-8"?>
-<p:sld xmlns:a="http://schemas.openxmlformats.org/drawingml/2006/main" xmlns:r="http://schemas.openxmlformats.org/officeDocument/2006/relationships" xmlns:p="http://schemas.openxmlformats.org/presentationml/2006/main">
-  <p:cSld>
-    <p:spTree>
-      <p:nvGrpSpPr>
-        <p:cNvPr id="1" name=""/>
-        <p:cNvGrpSpPr/>
-        <p:nvPr/>
-      </p:nvGrpSpPr>
-      <p:grpSpPr>
-        <a:xfrm>
-          <a:off x="0" y="0"/>
-          <a:ext cx="0" cy="0"/>
-          <a:chOff x="0" y="0"/>
-          <a:chExt cx="0" cy="0"/>
-        </a:xfrm>
-      </p:grpSpPr>
-      <p:sp>
-        <p:nvSpPr>
-          <p:cNvPr id="2" name="Title 1">
-            <a:extLst>
-              <a:ext uri="{FF2B5EF4-FFF2-40B4-BE49-F238E27FC236}">
-                <a16:creationId xmlns:a16="http://schemas.microsoft.com/office/drawing/2014/main" id="{E42C64AE-FA0F-9D6F-C0C6-48F849A13EB4}"/>
-              </a:ext>
-            </a:extLst>
-          </p:cNvPr>
-          <p:cNvSpPr>
-            <a:spLocks noGrp="1"/>
-          </p:cNvSpPr>
-          <p:nvPr>
-            <p:ph type="title"/>
-          </p:nvPr>
-        </p:nvSpPr>
-        <p:spPr/>
         <p:txBody>
-          <a:bodyPr/>
+          <a:bodyPr wrap="square" rtlCol="0">
+            <a:spAutoFit/>
+          </a:bodyPr>
           <a:lstStyle/>
           <a:p>
-            <a:endParaRPr lang="en-DO"/>
-          </a:p>
-        </p:txBody>
-      </p:sp>
-      <p:sp>
-        <p:nvSpPr>
-          <p:cNvPr id="3" name="Content Placeholder 2">
-            <a:extLst>
-              <a:ext uri="{FF2B5EF4-FFF2-40B4-BE49-F238E27FC236}">
-                <a16:creationId xmlns:a16="http://schemas.microsoft.com/office/drawing/2014/main" id="{3E8D5806-E7C8-7049-73A6-DA44D87E2B11}"/>
-              </a:ext>
-            </a:extLst>
-          </p:cNvPr>
-          <p:cNvSpPr>
-            <a:spLocks noGrp="1"/>
-          </p:cNvSpPr>
-          <p:nvPr>
-            <p:ph idx="1"/>
-          </p:nvPr>
-        </p:nvSpPr>
-        <p:spPr/>
-        <p:txBody>
-          <a:bodyPr/>
-          <a:lstStyle/>
-          <a:p>
-            <a:endParaRPr lang="en-DO"/>
+            <a:pPr algn="l"/>
+            <a:r>
+              <a:rPr lang="es-ES_tradnl" sz="1400" b="0" i="0" dirty="0">
+                <a:effectLst/>
+                <a:latin typeface="Helvetica Neue" panose="02000503000000020004" pitchFamily="2" charset="0"/>
+              </a:rPr>
+              <a:t>En este grafico, identificamos el movimiento entre el Tool </a:t>
+            </a:r>
+            <a:r>
+              <a:rPr lang="es-ES_tradnl" sz="1400" b="0" i="0" dirty="0" err="1">
+                <a:effectLst/>
+                <a:latin typeface="Helvetica Neue" panose="02000503000000020004" pitchFamily="2" charset="0"/>
+              </a:rPr>
+              <a:t>Wear</a:t>
+            </a:r>
+            <a:r>
+              <a:rPr lang="es-ES_tradnl" sz="1400" b="0" i="0" dirty="0">
+                <a:effectLst/>
+                <a:latin typeface="Helvetica Neue" panose="02000503000000020004" pitchFamily="2" charset="0"/>
+              </a:rPr>
+              <a:t> y el Torque de la maquinaria, cuando existe una falla y de que tipo. La falla del encendido es la falla de mayor </a:t>
+            </a:r>
+            <a:r>
+              <a:rPr lang="es-ES_tradnl" sz="1400" b="0" i="0" dirty="0" err="1">
+                <a:effectLst/>
+                <a:latin typeface="Helvetica Neue" panose="02000503000000020004" pitchFamily="2" charset="0"/>
+              </a:rPr>
+              <a:t>dispercion</a:t>
+            </a:r>
+            <a:r>
+              <a:rPr lang="es-ES_tradnl" sz="1400" b="0" i="0" dirty="0">
+                <a:effectLst/>
+                <a:latin typeface="Helvetica Neue" panose="02000503000000020004" pitchFamily="2" charset="0"/>
+              </a:rPr>
+              <a:t> es decir, que cuando tiene una falla de encendido, se puede identificar por los movimientos bruscos. Cuando no existe falla, se mantiene constante.</a:t>
+            </a:r>
           </a:p>
         </p:txBody>
       </p:sp>
     </p:spTree>
     <p:extLst>
       <p:ext uri="{BB962C8B-B14F-4D97-AF65-F5344CB8AC3E}">
-        <p14:creationId xmlns:p14="http://schemas.microsoft.com/office/powerpoint/2010/main" val="3860578146"/>
+        <p14:creationId xmlns:p14="http://schemas.microsoft.com/office/powerpoint/2010/main" val="3839753953"/>
       </p:ext>
     </p:extLst>
   </p:cSld>
